--- a/lab_project.pptx
+++ b/lab_project.pptx
@@ -10,6 +10,7 @@
     <p:sldId id="258" r:id="rId7"/>
     <p:sldId id="259" r:id="rId8"/>
     <p:sldId id="260" r:id="rId9"/>
+    <p:sldId id="261" r:id="rId10"/>
   </p:sldIdLst>
   <p:sldSz cx="12192000" cy="6858000"/>
   <p:notesSz cx="6858000" cy="9144000"/>
@@ -1445,7 +1446,7 @@
           <a:p>
             <a:fld id="{72345051-2045-45DA-935E-2E3CA1A69ADC}" type="datetimeFigureOut">
               <a:rPr lang="en-US" smtClean="0"/>
-              <a:t>8/29/2020</a:t>
+              <a:t>9/1/2020</a:t>
             </a:fld>
             <a:endParaRPr lang="en-US" dirty="0"/>
           </a:p>
@@ -1643,7 +1644,7 @@
           <a:p>
             <a:fld id="{72345051-2045-45DA-935E-2E3CA1A69ADC}" type="datetimeFigureOut">
               <a:rPr lang="en-US" smtClean="0"/>
-              <a:t>8/29/2020</a:t>
+              <a:t>9/1/2020</a:t>
             </a:fld>
             <a:endParaRPr lang="en-US"/>
           </a:p>
@@ -1851,7 +1852,7 @@
           <a:p>
             <a:fld id="{72345051-2045-45DA-935E-2E3CA1A69ADC}" type="datetimeFigureOut">
               <a:rPr lang="en-US" smtClean="0"/>
-              <a:t>8/29/2020</a:t>
+              <a:t>9/1/2020</a:t>
             </a:fld>
             <a:endParaRPr lang="en-US"/>
           </a:p>
@@ -2073,7 +2074,7 @@
           <a:p>
             <a:fld id="{72345051-2045-45DA-935E-2E3CA1A69ADC}" type="datetimeFigureOut">
               <a:rPr lang="en-US" smtClean="0"/>
-              <a:t>8/29/2020</a:t>
+              <a:t>9/1/2020</a:t>
             </a:fld>
             <a:endParaRPr lang="en-US"/>
           </a:p>
@@ -2984,7 +2985,7 @@
           <a:p>
             <a:fld id="{72345051-2045-45DA-935E-2E3CA1A69ADC}" type="datetimeFigureOut">
               <a:rPr lang="en-US" smtClean="0"/>
-              <a:t>8/29/2020</a:t>
+              <a:t>9/1/2020</a:t>
             </a:fld>
             <a:endParaRPr lang="en-US"/>
           </a:p>
@@ -3587,7 +3588,7 @@
           <a:p>
             <a:fld id="{72345051-2045-45DA-935E-2E3CA1A69ADC}" type="datetimeFigureOut">
               <a:rPr lang="en-US" smtClean="0"/>
-              <a:t>8/29/2020</a:t>
+              <a:t>9/1/2020</a:t>
             </a:fld>
             <a:endParaRPr lang="en-US"/>
           </a:p>
@@ -4635,7 +4636,7 @@
           <a:p>
             <a:fld id="{72345051-2045-45DA-935E-2E3CA1A69ADC}" type="datetimeFigureOut">
               <a:rPr lang="en-US" smtClean="0"/>
-              <a:t>8/29/2020</a:t>
+              <a:t>9/1/2020</a:t>
             </a:fld>
             <a:endParaRPr lang="en-US"/>
           </a:p>
@@ -5419,7 +5420,7 @@
           <a:p>
             <a:fld id="{72345051-2045-45DA-935E-2E3CA1A69ADC}" type="datetimeFigureOut">
               <a:rPr lang="en-US" smtClean="0"/>
-              <a:t>8/29/2020</a:t>
+              <a:t>9/1/2020</a:t>
             </a:fld>
             <a:endParaRPr lang="en-US"/>
           </a:p>
@@ -5868,7 +5869,7 @@
           <a:p>
             <a:fld id="{72345051-2045-45DA-935E-2E3CA1A69ADC}" type="datetimeFigureOut">
               <a:rPr lang="en-US" smtClean="0"/>
-              <a:t>8/29/2020</a:t>
+              <a:t>9/1/2020</a:t>
             </a:fld>
             <a:endParaRPr lang="en-US"/>
           </a:p>
@@ -6185,7 +6186,7 @@
           <a:p>
             <a:fld id="{72345051-2045-45DA-935E-2E3CA1A69ADC}" type="datetimeFigureOut">
               <a:rPr lang="en-US" smtClean="0"/>
-              <a:t>8/29/2020</a:t>
+              <a:t>9/1/2020</a:t>
             </a:fld>
             <a:endParaRPr lang="en-US"/>
           </a:p>
@@ -6813,7 +6814,7 @@
           <a:p>
             <a:fld id="{72345051-2045-45DA-935E-2E3CA1A69ADC}" type="datetimeFigureOut">
               <a:rPr lang="en-US" smtClean="0"/>
-              <a:t>8/29/2020</a:t>
+              <a:t>9/1/2020</a:t>
             </a:fld>
             <a:endParaRPr lang="en-US"/>
           </a:p>
@@ -7386,7 +7387,7 @@
           <a:p>
             <a:fld id="{72345051-2045-45DA-935E-2E3CA1A69ADC}" type="datetimeFigureOut">
               <a:rPr lang="en-US" smtClean="0"/>
-              <a:t>8/29/2020</a:t>
+              <a:t>9/1/2020</a:t>
             </a:fld>
             <a:endParaRPr lang="en-US" dirty="0"/>
           </a:p>
@@ -12629,10 +12630,1275 @@
           <a:chExt cx="0" cy="0"/>
         </a:xfrm>
       </p:grpSpPr>
+      <p:sp>
+        <p:nvSpPr>
+          <p:cNvPr id="2" name="Oval 1">
+            <a:extLst>
+              <a:ext uri="{FF2B5EF4-FFF2-40B4-BE49-F238E27FC236}">
+                <a16:creationId xmlns:a16="http://schemas.microsoft.com/office/drawing/2014/main" id="{2A13E255-9908-47A0-BB5E-D70E87EDF8DB}"/>
+              </a:ext>
+            </a:extLst>
+          </p:cNvPr>
+          <p:cNvSpPr/>
+          <p:nvPr/>
+        </p:nvSpPr>
+        <p:spPr>
+          <a:xfrm>
+            <a:off x="1473693" y="710214"/>
+            <a:ext cx="1136342" cy="1207363"/>
+          </a:xfrm>
+          <a:prstGeom prst="ellipse">
+            <a:avLst/>
+          </a:prstGeom>
+        </p:spPr>
+        <p:style>
+          <a:lnRef idx="2">
+            <a:schemeClr val="accent1">
+              <a:shade val="50000"/>
+            </a:schemeClr>
+          </a:lnRef>
+          <a:fillRef idx="1">
+            <a:schemeClr val="accent1"/>
+          </a:fillRef>
+          <a:effectRef idx="0">
+            <a:schemeClr val="accent1"/>
+          </a:effectRef>
+          <a:fontRef idx="minor">
+            <a:schemeClr val="lt1"/>
+          </a:fontRef>
+        </p:style>
+        <p:txBody>
+          <a:bodyPr rtlCol="0" anchor="ctr"/>
+          <a:lstStyle/>
+          <a:p>
+            <a:pPr algn="ctr"/>
+            <a:r>
+              <a:rPr lang="en-US" dirty="0"/>
+              <a:t>idle</a:t>
+            </a:r>
+            <a:endParaRPr lang="LID4096" dirty="0"/>
+          </a:p>
+        </p:txBody>
+      </p:sp>
+      <p:sp>
+        <p:nvSpPr>
+          <p:cNvPr id="4" name="Oval 3">
+            <a:extLst>
+              <a:ext uri="{FF2B5EF4-FFF2-40B4-BE49-F238E27FC236}">
+                <a16:creationId xmlns:a16="http://schemas.microsoft.com/office/drawing/2014/main" id="{B5327E0F-E15E-4F5E-954A-539E7ABACED2}"/>
+              </a:ext>
+            </a:extLst>
+          </p:cNvPr>
+          <p:cNvSpPr/>
+          <p:nvPr/>
+        </p:nvSpPr>
+        <p:spPr>
+          <a:xfrm>
+            <a:off x="3783367" y="710214"/>
+            <a:ext cx="1136342" cy="1207363"/>
+          </a:xfrm>
+          <a:prstGeom prst="ellipse">
+            <a:avLst/>
+          </a:prstGeom>
+        </p:spPr>
+        <p:style>
+          <a:lnRef idx="2">
+            <a:schemeClr val="accent1">
+              <a:shade val="50000"/>
+            </a:schemeClr>
+          </a:lnRef>
+          <a:fillRef idx="1">
+            <a:schemeClr val="accent1"/>
+          </a:fillRef>
+          <a:effectRef idx="0">
+            <a:schemeClr val="accent1"/>
+          </a:effectRef>
+          <a:fontRef idx="minor">
+            <a:schemeClr val="lt1"/>
+          </a:fontRef>
+        </p:style>
+        <p:txBody>
+          <a:bodyPr rtlCol="0" anchor="ctr"/>
+          <a:lstStyle/>
+          <a:p>
+            <a:pPr algn="ctr"/>
+            <a:r>
+              <a:rPr lang="en-US" dirty="0"/>
+              <a:t>right</a:t>
+            </a:r>
+            <a:endParaRPr lang="LID4096" dirty="0"/>
+          </a:p>
+        </p:txBody>
+      </p:sp>
+      <p:cxnSp>
+        <p:nvCxnSpPr>
+          <p:cNvPr id="6" name="Straight Arrow Connector 5">
+            <a:extLst>
+              <a:ext uri="{FF2B5EF4-FFF2-40B4-BE49-F238E27FC236}">
+                <a16:creationId xmlns:a16="http://schemas.microsoft.com/office/drawing/2014/main" id="{319E08D8-79EA-4D82-8B4A-CB89951B7C59}"/>
+              </a:ext>
+            </a:extLst>
+          </p:cNvPr>
+          <p:cNvCxnSpPr>
+            <a:stCxn id="2" idx="6"/>
+            <a:endCxn id="4" idx="2"/>
+          </p:cNvCxnSpPr>
+          <p:nvPr/>
+        </p:nvCxnSpPr>
+        <p:spPr>
+          <a:xfrm>
+            <a:off x="2610035" y="1313896"/>
+            <a:ext cx="1173332" cy="0"/>
+          </a:xfrm>
+          <a:prstGeom prst="straightConnector1">
+            <a:avLst/>
+          </a:prstGeom>
+          <a:ln>
+            <a:tailEnd type="triangle"/>
+          </a:ln>
+        </p:spPr>
+        <p:style>
+          <a:lnRef idx="1">
+            <a:schemeClr val="accent1"/>
+          </a:lnRef>
+          <a:fillRef idx="0">
+            <a:schemeClr val="accent1"/>
+          </a:fillRef>
+          <a:effectRef idx="0">
+            <a:schemeClr val="accent1"/>
+          </a:effectRef>
+          <a:fontRef idx="minor">
+            <a:schemeClr val="tx1"/>
+          </a:fontRef>
+        </p:style>
+      </p:cxnSp>
+      <p:sp>
+        <p:nvSpPr>
+          <p:cNvPr id="7" name="TextBox 6">
+            <a:extLst>
+              <a:ext uri="{FF2B5EF4-FFF2-40B4-BE49-F238E27FC236}">
+                <a16:creationId xmlns:a16="http://schemas.microsoft.com/office/drawing/2014/main" id="{FC73EDC1-7EAB-43D2-99C0-1E1CBE696CC9}"/>
+              </a:ext>
+            </a:extLst>
+          </p:cNvPr>
+          <p:cNvSpPr txBox="1"/>
+          <p:nvPr/>
+        </p:nvSpPr>
+        <p:spPr>
+          <a:xfrm>
+            <a:off x="2313094" y="852230"/>
+            <a:ext cx="1767215" cy="461665"/>
+          </a:xfrm>
+          <a:prstGeom prst="rect">
+            <a:avLst/>
+          </a:prstGeom>
+          <a:noFill/>
+        </p:spPr>
+        <p:txBody>
+          <a:bodyPr wrap="none" rtlCol="0">
+            <a:spAutoFit/>
+          </a:bodyPr>
+          <a:lstStyle/>
+          <a:p>
+            <a:r>
+              <a:rPr lang="en-US" sz="1200" dirty="0" err="1"/>
+              <a:t>Key_press_right</a:t>
+            </a:r>
+            <a:endParaRPr lang="en-US" sz="1200" dirty="0"/>
+          </a:p>
+          <a:p>
+            <a:r>
+              <a:rPr lang="en-US" sz="1200" dirty="0" err="1"/>
+              <a:t>Bumpy_Collision_bottom</a:t>
+            </a:r>
+            <a:endParaRPr lang="LID4096" sz="1200" dirty="0"/>
+          </a:p>
+        </p:txBody>
+      </p:sp>
+      <p:sp>
+        <p:nvSpPr>
+          <p:cNvPr id="9" name="Oval 8">
+            <a:extLst>
+              <a:ext uri="{FF2B5EF4-FFF2-40B4-BE49-F238E27FC236}">
+                <a16:creationId xmlns:a16="http://schemas.microsoft.com/office/drawing/2014/main" id="{99F7371E-A66D-4CCF-90CA-BC8872A563FE}"/>
+              </a:ext>
+            </a:extLst>
+          </p:cNvPr>
+          <p:cNvSpPr/>
+          <p:nvPr/>
+        </p:nvSpPr>
+        <p:spPr>
+          <a:xfrm>
+            <a:off x="2943967" y="2825318"/>
+            <a:ext cx="1136342" cy="1207363"/>
+          </a:xfrm>
+          <a:prstGeom prst="ellipse">
+            <a:avLst/>
+          </a:prstGeom>
+        </p:spPr>
+        <p:style>
+          <a:lnRef idx="2">
+            <a:schemeClr val="accent1">
+              <a:shade val="50000"/>
+            </a:schemeClr>
+          </a:lnRef>
+          <a:fillRef idx="1">
+            <a:schemeClr val="accent1"/>
+          </a:fillRef>
+          <a:effectRef idx="0">
+            <a:schemeClr val="accent1"/>
+          </a:effectRef>
+          <a:fontRef idx="minor">
+            <a:schemeClr val="lt1"/>
+          </a:fontRef>
+        </p:style>
+        <p:txBody>
+          <a:bodyPr rtlCol="0" anchor="ctr"/>
+          <a:lstStyle/>
+          <a:p>
+            <a:pPr algn="ctr"/>
+            <a:r>
+              <a:rPr lang="en-US" dirty="0"/>
+              <a:t>left</a:t>
+            </a:r>
+            <a:endParaRPr lang="LID4096" dirty="0"/>
+          </a:p>
+        </p:txBody>
+      </p:sp>
+      <p:cxnSp>
+        <p:nvCxnSpPr>
+          <p:cNvPr id="11" name="Straight Arrow Connector 10">
+            <a:extLst>
+              <a:ext uri="{FF2B5EF4-FFF2-40B4-BE49-F238E27FC236}">
+                <a16:creationId xmlns:a16="http://schemas.microsoft.com/office/drawing/2014/main" id="{70DB76EE-7F98-4ACB-BB38-88B5BC9C31AD}"/>
+              </a:ext>
+            </a:extLst>
+          </p:cNvPr>
+          <p:cNvCxnSpPr>
+            <a:cxnSpLocks/>
+            <a:stCxn id="2" idx="4"/>
+            <a:endCxn id="9" idx="1"/>
+          </p:cNvCxnSpPr>
+          <p:nvPr/>
+        </p:nvCxnSpPr>
+        <p:spPr>
+          <a:xfrm>
+            <a:off x="2041864" y="1917577"/>
+            <a:ext cx="1068516" cy="1084555"/>
+          </a:xfrm>
+          <a:prstGeom prst="straightConnector1">
+            <a:avLst/>
+          </a:prstGeom>
+          <a:ln>
+            <a:tailEnd type="triangle"/>
+          </a:ln>
+        </p:spPr>
+        <p:style>
+          <a:lnRef idx="1">
+            <a:schemeClr val="accent1"/>
+          </a:lnRef>
+          <a:fillRef idx="0">
+            <a:schemeClr val="accent1"/>
+          </a:fillRef>
+          <a:effectRef idx="0">
+            <a:schemeClr val="accent1"/>
+          </a:effectRef>
+          <a:fontRef idx="minor">
+            <a:schemeClr val="tx1"/>
+          </a:fontRef>
+        </p:style>
+      </p:cxnSp>
+      <p:sp>
+        <p:nvSpPr>
+          <p:cNvPr id="13" name="TextBox 12">
+            <a:extLst>
+              <a:ext uri="{FF2B5EF4-FFF2-40B4-BE49-F238E27FC236}">
+                <a16:creationId xmlns:a16="http://schemas.microsoft.com/office/drawing/2014/main" id="{6BB0F046-93AF-4E3B-A606-4430C730A35A}"/>
+              </a:ext>
+            </a:extLst>
+          </p:cNvPr>
+          <p:cNvSpPr txBox="1"/>
+          <p:nvPr/>
+        </p:nvSpPr>
+        <p:spPr>
+          <a:xfrm>
+            <a:off x="375413" y="2202019"/>
+            <a:ext cx="1767215" cy="461665"/>
+          </a:xfrm>
+          <a:prstGeom prst="rect">
+            <a:avLst/>
+          </a:prstGeom>
+          <a:noFill/>
+        </p:spPr>
+        <p:txBody>
+          <a:bodyPr wrap="none" rtlCol="0">
+            <a:spAutoFit/>
+          </a:bodyPr>
+          <a:lstStyle/>
+          <a:p>
+            <a:r>
+              <a:rPr lang="en-US" sz="1200" dirty="0" err="1"/>
+              <a:t>Key_press_left</a:t>
+            </a:r>
+            <a:endParaRPr lang="en-US" sz="1200" dirty="0"/>
+          </a:p>
+          <a:p>
+            <a:r>
+              <a:rPr lang="en-US" sz="1200" dirty="0" err="1"/>
+              <a:t>Bumpy_Collision_bottom</a:t>
+            </a:r>
+            <a:endParaRPr lang="LID4096" sz="1200" dirty="0"/>
+          </a:p>
+        </p:txBody>
+      </p:sp>
+      <p:sp>
+        <p:nvSpPr>
+          <p:cNvPr id="17" name="TextBox 16">
+            <a:extLst>
+              <a:ext uri="{FF2B5EF4-FFF2-40B4-BE49-F238E27FC236}">
+                <a16:creationId xmlns:a16="http://schemas.microsoft.com/office/drawing/2014/main" id="{8EFC8F60-EF0C-441B-90B4-61810F324E59}"/>
+              </a:ext>
+            </a:extLst>
+          </p:cNvPr>
+          <p:cNvSpPr txBox="1"/>
+          <p:nvPr/>
+        </p:nvSpPr>
+        <p:spPr>
+          <a:xfrm>
+            <a:off x="2464013" y="150821"/>
+            <a:ext cx="1767215" cy="461665"/>
+          </a:xfrm>
+          <a:prstGeom prst="rect">
+            <a:avLst/>
+          </a:prstGeom>
+          <a:noFill/>
+        </p:spPr>
+        <p:txBody>
+          <a:bodyPr wrap="none" rtlCol="0">
+            <a:spAutoFit/>
+          </a:bodyPr>
+          <a:lstStyle/>
+          <a:p>
+            <a:r>
+              <a:rPr lang="en-US" sz="1200" dirty="0" err="1"/>
+              <a:t>Key_not_press_right</a:t>
+            </a:r>
+            <a:endParaRPr lang="en-US" sz="1200" dirty="0"/>
+          </a:p>
+          <a:p>
+            <a:r>
+              <a:rPr lang="en-US" sz="1200" dirty="0" err="1"/>
+              <a:t>Bumpy_Collision_bottom</a:t>
+            </a:r>
+            <a:endParaRPr lang="LID4096" sz="1200" dirty="0"/>
+          </a:p>
+        </p:txBody>
+      </p:sp>
+      <p:cxnSp>
+        <p:nvCxnSpPr>
+          <p:cNvPr id="19" name="Straight Arrow Connector 18">
+            <a:extLst>
+              <a:ext uri="{FF2B5EF4-FFF2-40B4-BE49-F238E27FC236}">
+                <a16:creationId xmlns:a16="http://schemas.microsoft.com/office/drawing/2014/main" id="{78C10DE3-5477-4F0D-94C9-26023F3C4BA4}"/>
+              </a:ext>
+            </a:extLst>
+          </p:cNvPr>
+          <p:cNvCxnSpPr>
+            <a:stCxn id="4" idx="0"/>
+            <a:endCxn id="2" idx="0"/>
+          </p:cNvCxnSpPr>
+          <p:nvPr/>
+        </p:nvCxnSpPr>
+        <p:spPr>
+          <a:xfrm flipH="1">
+            <a:off x="2041864" y="710214"/>
+            <a:ext cx="2309674" cy="0"/>
+          </a:xfrm>
+          <a:prstGeom prst="straightConnector1">
+            <a:avLst/>
+          </a:prstGeom>
+          <a:ln>
+            <a:tailEnd type="triangle"/>
+          </a:ln>
+        </p:spPr>
+        <p:style>
+          <a:lnRef idx="1">
+            <a:schemeClr val="accent1"/>
+          </a:lnRef>
+          <a:fillRef idx="0">
+            <a:schemeClr val="accent1"/>
+          </a:fillRef>
+          <a:effectRef idx="0">
+            <a:schemeClr val="accent1"/>
+          </a:effectRef>
+          <a:fontRef idx="minor">
+            <a:schemeClr val="tx1"/>
+          </a:fontRef>
+        </p:style>
+      </p:cxnSp>
+      <p:cxnSp>
+        <p:nvCxnSpPr>
+          <p:cNvPr id="22" name="Straight Arrow Connector 21">
+            <a:extLst>
+              <a:ext uri="{FF2B5EF4-FFF2-40B4-BE49-F238E27FC236}">
+                <a16:creationId xmlns:a16="http://schemas.microsoft.com/office/drawing/2014/main" id="{396F2218-6B50-4978-8C01-4BEC0FEDEC48}"/>
+              </a:ext>
+            </a:extLst>
+          </p:cNvPr>
+          <p:cNvCxnSpPr>
+            <a:stCxn id="4" idx="4"/>
+            <a:endCxn id="9" idx="7"/>
+          </p:cNvCxnSpPr>
+          <p:nvPr/>
+        </p:nvCxnSpPr>
+        <p:spPr>
+          <a:xfrm flipH="1">
+            <a:off x="3913896" y="1917577"/>
+            <a:ext cx="437642" cy="1084555"/>
+          </a:xfrm>
+          <a:prstGeom prst="straightConnector1">
+            <a:avLst/>
+          </a:prstGeom>
+          <a:ln>
+            <a:tailEnd type="triangle"/>
+          </a:ln>
+        </p:spPr>
+        <p:style>
+          <a:lnRef idx="1">
+            <a:schemeClr val="accent1"/>
+          </a:lnRef>
+          <a:fillRef idx="0">
+            <a:schemeClr val="accent1"/>
+          </a:fillRef>
+          <a:effectRef idx="0">
+            <a:schemeClr val="accent1"/>
+          </a:effectRef>
+          <a:fontRef idx="minor">
+            <a:schemeClr val="tx1"/>
+          </a:fontRef>
+        </p:style>
+      </p:cxnSp>
+      <p:sp>
+        <p:nvSpPr>
+          <p:cNvPr id="24" name="TextBox 23">
+            <a:extLst>
+              <a:ext uri="{FF2B5EF4-FFF2-40B4-BE49-F238E27FC236}">
+                <a16:creationId xmlns:a16="http://schemas.microsoft.com/office/drawing/2014/main" id="{DA5C1A5D-AAF4-482F-B4D7-62D1EB1716EE}"/>
+              </a:ext>
+            </a:extLst>
+          </p:cNvPr>
+          <p:cNvSpPr txBox="1"/>
+          <p:nvPr/>
+        </p:nvSpPr>
+        <p:spPr>
+          <a:xfrm>
+            <a:off x="3678594" y="2202019"/>
+            <a:ext cx="1767215" cy="461665"/>
+          </a:xfrm>
+          <a:prstGeom prst="rect">
+            <a:avLst/>
+          </a:prstGeom>
+          <a:noFill/>
+        </p:spPr>
+        <p:txBody>
+          <a:bodyPr wrap="none" rtlCol="0">
+            <a:spAutoFit/>
+          </a:bodyPr>
+          <a:lstStyle/>
+          <a:p>
+            <a:r>
+              <a:rPr lang="en-US" sz="1200" dirty="0" err="1"/>
+              <a:t>Key_press_left</a:t>
+            </a:r>
+            <a:endParaRPr lang="en-US" sz="1200" dirty="0"/>
+          </a:p>
+          <a:p>
+            <a:r>
+              <a:rPr lang="en-US" sz="1200" dirty="0" err="1"/>
+              <a:t>Bumpy_Collision_bottom</a:t>
+            </a:r>
+            <a:endParaRPr lang="LID4096" sz="1200" dirty="0"/>
+          </a:p>
+        </p:txBody>
+      </p:sp>
+      <p:sp>
+        <p:nvSpPr>
+          <p:cNvPr id="26" name="TextBox 25">
+            <a:extLst>
+              <a:ext uri="{FF2B5EF4-FFF2-40B4-BE49-F238E27FC236}">
+                <a16:creationId xmlns:a16="http://schemas.microsoft.com/office/drawing/2014/main" id="{5B8DFB81-7987-4705-826C-58D0E2AACABA}"/>
+              </a:ext>
+            </a:extLst>
+          </p:cNvPr>
+          <p:cNvSpPr txBox="1"/>
+          <p:nvPr/>
+        </p:nvSpPr>
+        <p:spPr>
+          <a:xfrm>
+            <a:off x="2718606" y="1838773"/>
+            <a:ext cx="1767215" cy="461665"/>
+          </a:xfrm>
+          <a:prstGeom prst="rect">
+            <a:avLst/>
+          </a:prstGeom>
+          <a:noFill/>
+        </p:spPr>
+        <p:txBody>
+          <a:bodyPr wrap="none" rtlCol="0">
+            <a:spAutoFit/>
+          </a:bodyPr>
+          <a:lstStyle/>
+          <a:p>
+            <a:r>
+              <a:rPr lang="en-US" sz="1200" dirty="0" err="1"/>
+              <a:t>Key_press_right</a:t>
+            </a:r>
+            <a:endParaRPr lang="en-US" sz="1200" dirty="0"/>
+          </a:p>
+          <a:p>
+            <a:r>
+              <a:rPr lang="en-US" sz="1200" dirty="0" err="1"/>
+              <a:t>Bumpy_Collision_bottom</a:t>
+            </a:r>
+            <a:endParaRPr lang="LID4096" sz="1200" dirty="0"/>
+          </a:p>
+        </p:txBody>
+      </p:sp>
+      <p:cxnSp>
+        <p:nvCxnSpPr>
+          <p:cNvPr id="28" name="Straight Arrow Connector 27">
+            <a:extLst>
+              <a:ext uri="{FF2B5EF4-FFF2-40B4-BE49-F238E27FC236}">
+                <a16:creationId xmlns:a16="http://schemas.microsoft.com/office/drawing/2014/main" id="{D11B19DF-C880-4AB3-A156-1EDFBDD07953}"/>
+              </a:ext>
+            </a:extLst>
+          </p:cNvPr>
+          <p:cNvCxnSpPr>
+            <a:cxnSpLocks/>
+            <a:stCxn id="9" idx="0"/>
+            <a:endCxn id="4" idx="3"/>
+          </p:cNvCxnSpPr>
+          <p:nvPr/>
+        </p:nvCxnSpPr>
+        <p:spPr>
+          <a:xfrm flipV="1">
+            <a:off x="3512138" y="1740763"/>
+            <a:ext cx="437642" cy="1084555"/>
+          </a:xfrm>
+          <a:prstGeom prst="straightConnector1">
+            <a:avLst/>
+          </a:prstGeom>
+          <a:ln>
+            <a:tailEnd type="triangle"/>
+          </a:ln>
+        </p:spPr>
+        <p:style>
+          <a:lnRef idx="1">
+            <a:schemeClr val="accent1"/>
+          </a:lnRef>
+          <a:fillRef idx="0">
+            <a:schemeClr val="accent1"/>
+          </a:fillRef>
+          <a:effectRef idx="0">
+            <a:schemeClr val="accent1"/>
+          </a:effectRef>
+          <a:fontRef idx="minor">
+            <a:schemeClr val="tx1"/>
+          </a:fontRef>
+        </p:style>
+      </p:cxnSp>
+      <p:sp>
+        <p:nvSpPr>
+          <p:cNvPr id="32" name="TextBox 31">
+            <a:extLst>
+              <a:ext uri="{FF2B5EF4-FFF2-40B4-BE49-F238E27FC236}">
+                <a16:creationId xmlns:a16="http://schemas.microsoft.com/office/drawing/2014/main" id="{A7BA4EE3-62C6-42C1-9F8E-86D3D8B99BD9}"/>
+              </a:ext>
+            </a:extLst>
+          </p:cNvPr>
+          <p:cNvSpPr txBox="1"/>
+          <p:nvPr/>
+        </p:nvSpPr>
+        <p:spPr>
+          <a:xfrm>
+            <a:off x="2226772" y="2324251"/>
+            <a:ext cx="1767215" cy="461665"/>
+          </a:xfrm>
+          <a:prstGeom prst="rect">
+            <a:avLst/>
+          </a:prstGeom>
+          <a:noFill/>
+        </p:spPr>
+        <p:txBody>
+          <a:bodyPr wrap="square" rtlCol="0">
+            <a:spAutoFit/>
+          </a:bodyPr>
+          <a:lstStyle/>
+          <a:p>
+            <a:r>
+              <a:rPr lang="en-US" sz="1200" dirty="0" err="1"/>
+              <a:t>Key_not_press_left</a:t>
+            </a:r>
+            <a:endParaRPr lang="en-US" sz="1200" dirty="0"/>
+          </a:p>
+          <a:p>
+            <a:r>
+              <a:rPr lang="en-US" sz="1200" dirty="0" err="1"/>
+              <a:t>Bumpy_Collision_bottom</a:t>
+            </a:r>
+            <a:endParaRPr lang="LID4096" sz="1200" dirty="0"/>
+          </a:p>
+        </p:txBody>
+      </p:sp>
+      <p:cxnSp>
+        <p:nvCxnSpPr>
+          <p:cNvPr id="34" name="Straight Arrow Connector 33">
+            <a:extLst>
+              <a:ext uri="{FF2B5EF4-FFF2-40B4-BE49-F238E27FC236}">
+                <a16:creationId xmlns:a16="http://schemas.microsoft.com/office/drawing/2014/main" id="{8C8B35D8-5285-414C-A846-D64BA0192EC0}"/>
+              </a:ext>
+            </a:extLst>
+          </p:cNvPr>
+          <p:cNvCxnSpPr>
+            <a:cxnSpLocks/>
+            <a:stCxn id="9" idx="2"/>
+            <a:endCxn id="2" idx="3"/>
+          </p:cNvCxnSpPr>
+          <p:nvPr/>
+        </p:nvCxnSpPr>
+        <p:spPr>
+          <a:xfrm flipH="1" flipV="1">
+            <a:off x="1640106" y="1740763"/>
+            <a:ext cx="1303861" cy="1688237"/>
+          </a:xfrm>
+          <a:prstGeom prst="straightConnector1">
+            <a:avLst/>
+          </a:prstGeom>
+          <a:ln>
+            <a:tailEnd type="triangle"/>
+          </a:ln>
+        </p:spPr>
+        <p:style>
+          <a:lnRef idx="1">
+            <a:schemeClr val="accent1"/>
+          </a:lnRef>
+          <a:fillRef idx="0">
+            <a:schemeClr val="accent1"/>
+          </a:fillRef>
+          <a:effectRef idx="0">
+            <a:schemeClr val="accent1"/>
+          </a:effectRef>
+          <a:fontRef idx="minor">
+            <a:schemeClr val="tx1"/>
+          </a:fontRef>
+        </p:style>
+      </p:cxnSp>
+      <p:sp>
+        <p:nvSpPr>
+          <p:cNvPr id="42" name="Oval 41">
+            <a:extLst>
+              <a:ext uri="{FF2B5EF4-FFF2-40B4-BE49-F238E27FC236}">
+                <a16:creationId xmlns:a16="http://schemas.microsoft.com/office/drawing/2014/main" id="{3D209A3F-B91D-4B23-865A-D6F9328841B1}"/>
+              </a:ext>
+            </a:extLst>
+          </p:cNvPr>
+          <p:cNvSpPr/>
+          <p:nvPr/>
+        </p:nvSpPr>
+        <p:spPr>
+          <a:xfrm>
+            <a:off x="5612265" y="1740763"/>
+            <a:ext cx="1136342" cy="1207363"/>
+          </a:xfrm>
+          <a:prstGeom prst="ellipse">
+            <a:avLst/>
+          </a:prstGeom>
+        </p:spPr>
+        <p:style>
+          <a:lnRef idx="2">
+            <a:schemeClr val="accent1">
+              <a:shade val="50000"/>
+            </a:schemeClr>
+          </a:lnRef>
+          <a:fillRef idx="1">
+            <a:schemeClr val="accent1"/>
+          </a:fillRef>
+          <a:effectRef idx="0">
+            <a:schemeClr val="accent1"/>
+          </a:effectRef>
+          <a:fontRef idx="minor">
+            <a:schemeClr val="lt1"/>
+          </a:fontRef>
+        </p:style>
+        <p:txBody>
+          <a:bodyPr rtlCol="0" anchor="ctr"/>
+          <a:lstStyle/>
+          <a:p>
+            <a:pPr algn="ctr"/>
+            <a:r>
+              <a:rPr lang="en-US" dirty="0"/>
+              <a:t>up</a:t>
+            </a:r>
+            <a:endParaRPr lang="LID4096" dirty="0"/>
+          </a:p>
+        </p:txBody>
+      </p:sp>
     </p:spTree>
     <p:extLst>
       <p:ext uri="{BB962C8B-B14F-4D97-AF65-F5344CB8AC3E}">
         <p14:creationId xmlns:p14="http://schemas.microsoft.com/office/powerpoint/2010/main" val="535805100"/>
+      </p:ext>
+    </p:extLst>
+  </p:cSld>
+  <p:clrMapOvr>
+    <a:masterClrMapping/>
+  </p:clrMapOvr>
+</p:sld>
+</file>
+
+<file path=ppt/slides/slide6.xml><?xml version="1.0" encoding="utf-8"?>
+<p:sld xmlns:a="http://schemas.openxmlformats.org/drawingml/2006/main" xmlns:r="http://schemas.openxmlformats.org/officeDocument/2006/relationships" xmlns:p="http://schemas.openxmlformats.org/presentationml/2006/main">
+  <p:cSld>
+    <p:spTree>
+      <p:nvGrpSpPr>
+        <p:cNvPr id="1" name=""/>
+        <p:cNvGrpSpPr/>
+        <p:nvPr/>
+      </p:nvGrpSpPr>
+      <p:grpSpPr>
+        <a:xfrm>
+          <a:off x="0" y="0"/>
+          <a:ext cx="0" cy="0"/>
+          <a:chOff x="0" y="0"/>
+          <a:chExt cx="0" cy="0"/>
+        </a:xfrm>
+      </p:grpSpPr>
+      <p:sp>
+        <p:nvSpPr>
+          <p:cNvPr id="2" name="Rectangle 1">
+            <a:extLst>
+              <a:ext uri="{FF2B5EF4-FFF2-40B4-BE49-F238E27FC236}">
+                <a16:creationId xmlns:a16="http://schemas.microsoft.com/office/drawing/2014/main" id="{2814717D-9601-4DAB-980D-7306E909B933}"/>
+              </a:ext>
+            </a:extLst>
+          </p:cNvPr>
+          <p:cNvSpPr/>
+          <p:nvPr/>
+        </p:nvSpPr>
+        <p:spPr>
+          <a:xfrm>
+            <a:off x="2192783" y="1470735"/>
+            <a:ext cx="1633491" cy="941033"/>
+          </a:xfrm>
+          <a:prstGeom prst="rect">
+            <a:avLst/>
+          </a:prstGeom>
+        </p:spPr>
+        <p:style>
+          <a:lnRef idx="2">
+            <a:schemeClr val="accent1">
+              <a:shade val="50000"/>
+            </a:schemeClr>
+          </a:lnRef>
+          <a:fillRef idx="1">
+            <a:schemeClr val="accent1"/>
+          </a:fillRef>
+          <a:effectRef idx="0">
+            <a:schemeClr val="accent1"/>
+          </a:effectRef>
+          <a:fontRef idx="minor">
+            <a:schemeClr val="lt1"/>
+          </a:fontRef>
+        </p:style>
+        <p:txBody>
+          <a:bodyPr rtlCol="0" anchor="ctr"/>
+          <a:lstStyle/>
+          <a:p>
+            <a:pPr algn="ctr"/>
+            <a:r>
+              <a:rPr lang="en-US" dirty="0"/>
+              <a:t>Tile selector</a:t>
+            </a:r>
+            <a:endParaRPr lang="LID4096" dirty="0"/>
+          </a:p>
+        </p:txBody>
+      </p:sp>
+      <p:sp>
+        <p:nvSpPr>
+          <p:cNvPr id="4" name="Rectangle 3">
+            <a:extLst>
+              <a:ext uri="{FF2B5EF4-FFF2-40B4-BE49-F238E27FC236}">
+                <a16:creationId xmlns:a16="http://schemas.microsoft.com/office/drawing/2014/main" id="{0C603BA8-4B15-49D3-A8AC-24DF377425BF}"/>
+              </a:ext>
+            </a:extLst>
+          </p:cNvPr>
+          <p:cNvSpPr/>
+          <p:nvPr/>
+        </p:nvSpPr>
+        <p:spPr>
+          <a:xfrm>
+            <a:off x="1953085" y="3790765"/>
+            <a:ext cx="1633491" cy="941033"/>
+          </a:xfrm>
+          <a:prstGeom prst="rect">
+            <a:avLst/>
+          </a:prstGeom>
+        </p:spPr>
+        <p:style>
+          <a:lnRef idx="2">
+            <a:schemeClr val="accent1">
+              <a:shade val="50000"/>
+            </a:schemeClr>
+          </a:lnRef>
+          <a:fillRef idx="1">
+            <a:schemeClr val="accent1"/>
+          </a:fillRef>
+          <a:effectRef idx="0">
+            <a:schemeClr val="accent1"/>
+          </a:effectRef>
+          <a:fontRef idx="minor">
+            <a:schemeClr val="lt1"/>
+          </a:fontRef>
+        </p:style>
+        <p:txBody>
+          <a:bodyPr rtlCol="0" anchor="ctr"/>
+          <a:lstStyle/>
+          <a:p>
+            <a:pPr algn="ctr"/>
+            <a:r>
+              <a:rPr lang="en-US" dirty="0"/>
+              <a:t>animator</a:t>
+            </a:r>
+            <a:endParaRPr lang="LID4096" dirty="0"/>
+          </a:p>
+        </p:txBody>
+      </p:sp>
+      <p:sp>
+        <p:nvSpPr>
+          <p:cNvPr id="5" name="Rectangle 4">
+            <a:extLst>
+              <a:ext uri="{FF2B5EF4-FFF2-40B4-BE49-F238E27FC236}">
+                <a16:creationId xmlns:a16="http://schemas.microsoft.com/office/drawing/2014/main" id="{885282A1-8B42-4AA3-8EC3-2CCE07837B8C}"/>
+              </a:ext>
+            </a:extLst>
+          </p:cNvPr>
+          <p:cNvSpPr/>
+          <p:nvPr/>
+        </p:nvSpPr>
+        <p:spPr>
+          <a:xfrm>
+            <a:off x="4971496" y="2098089"/>
+            <a:ext cx="2059619" cy="1216241"/>
+          </a:xfrm>
+          <a:prstGeom prst="rect">
+            <a:avLst/>
+          </a:prstGeom>
+        </p:spPr>
+        <p:style>
+          <a:lnRef idx="2">
+            <a:schemeClr val="accent1">
+              <a:shade val="50000"/>
+            </a:schemeClr>
+          </a:lnRef>
+          <a:fillRef idx="1">
+            <a:schemeClr val="accent1"/>
+          </a:fillRef>
+          <a:effectRef idx="0">
+            <a:schemeClr val="accent1"/>
+          </a:effectRef>
+          <a:fontRef idx="minor">
+            <a:schemeClr val="lt1"/>
+          </a:fontRef>
+        </p:style>
+        <p:txBody>
+          <a:bodyPr rtlCol="0" anchor="ctr"/>
+          <a:lstStyle/>
+          <a:p>
+            <a:pPr algn="ctr"/>
+            <a:r>
+              <a:rPr lang="en-US" dirty="0"/>
+              <a:t>player</a:t>
+            </a:r>
+            <a:endParaRPr lang="LID4096" dirty="0"/>
+          </a:p>
+        </p:txBody>
+      </p:sp>
+      <p:sp>
+        <p:nvSpPr>
+          <p:cNvPr id="6" name="Rectangle 5">
+            <a:extLst>
+              <a:ext uri="{FF2B5EF4-FFF2-40B4-BE49-F238E27FC236}">
+                <a16:creationId xmlns:a16="http://schemas.microsoft.com/office/drawing/2014/main" id="{0843D4BE-F13A-43CF-807E-D3C42585DA5F}"/>
+              </a:ext>
+            </a:extLst>
+          </p:cNvPr>
+          <p:cNvSpPr/>
+          <p:nvPr/>
+        </p:nvSpPr>
+        <p:spPr>
+          <a:xfrm>
+            <a:off x="7981028" y="2314113"/>
+            <a:ext cx="1660124" cy="905522"/>
+          </a:xfrm>
+          <a:prstGeom prst="rect">
+            <a:avLst/>
+          </a:prstGeom>
+        </p:spPr>
+        <p:style>
+          <a:lnRef idx="2">
+            <a:schemeClr val="accent1">
+              <a:shade val="50000"/>
+            </a:schemeClr>
+          </a:lnRef>
+          <a:fillRef idx="1">
+            <a:schemeClr val="accent1"/>
+          </a:fillRef>
+          <a:effectRef idx="0">
+            <a:schemeClr val="accent1"/>
+          </a:effectRef>
+          <a:fontRef idx="minor">
+            <a:schemeClr val="lt1"/>
+          </a:fontRef>
+        </p:style>
+        <p:txBody>
+          <a:bodyPr rtlCol="0" anchor="ctr"/>
+          <a:lstStyle/>
+          <a:p>
+            <a:pPr algn="ctr"/>
+            <a:r>
+              <a:rPr lang="en-US" dirty="0" err="1"/>
+              <a:t>BitMap</a:t>
+            </a:r>
+            <a:r>
+              <a:rPr lang="en-US" dirty="0"/>
+              <a:t> selector</a:t>
+            </a:r>
+            <a:endParaRPr lang="LID4096" dirty="0"/>
+          </a:p>
+        </p:txBody>
+      </p:sp>
+      <p:cxnSp>
+        <p:nvCxnSpPr>
+          <p:cNvPr id="8" name="Straight Arrow Connector 7">
+            <a:extLst>
+              <a:ext uri="{FF2B5EF4-FFF2-40B4-BE49-F238E27FC236}">
+                <a16:creationId xmlns:a16="http://schemas.microsoft.com/office/drawing/2014/main" id="{E9D10FDC-3A8F-4346-84D9-F1AFF4C86C7C}"/>
+              </a:ext>
+            </a:extLst>
+          </p:cNvPr>
+          <p:cNvCxnSpPr>
+            <a:stCxn id="2" idx="3"/>
+          </p:cNvCxnSpPr>
+          <p:nvPr/>
+        </p:nvCxnSpPr>
+        <p:spPr>
+          <a:xfrm>
+            <a:off x="3826274" y="1941252"/>
+            <a:ext cx="1145222" cy="372861"/>
+          </a:xfrm>
+          <a:prstGeom prst="straightConnector1">
+            <a:avLst/>
+          </a:prstGeom>
+          <a:ln>
+            <a:tailEnd type="triangle"/>
+          </a:ln>
+        </p:spPr>
+        <p:style>
+          <a:lnRef idx="1">
+            <a:schemeClr val="accent1"/>
+          </a:lnRef>
+          <a:fillRef idx="0">
+            <a:schemeClr val="accent1"/>
+          </a:fillRef>
+          <a:effectRef idx="0">
+            <a:schemeClr val="accent1"/>
+          </a:effectRef>
+          <a:fontRef idx="minor">
+            <a:schemeClr val="tx1"/>
+          </a:fontRef>
+        </p:style>
+      </p:cxnSp>
+      <p:cxnSp>
+        <p:nvCxnSpPr>
+          <p:cNvPr id="10" name="Straight Arrow Connector 9">
+            <a:extLst>
+              <a:ext uri="{FF2B5EF4-FFF2-40B4-BE49-F238E27FC236}">
+                <a16:creationId xmlns:a16="http://schemas.microsoft.com/office/drawing/2014/main" id="{516E582B-971C-4BF2-9B88-2FF4A78BD57E}"/>
+              </a:ext>
+            </a:extLst>
+          </p:cNvPr>
+          <p:cNvCxnSpPr/>
+          <p:nvPr/>
+        </p:nvCxnSpPr>
+        <p:spPr>
+          <a:xfrm>
+            <a:off x="719091" y="1470735"/>
+            <a:ext cx="1473692" cy="136123"/>
+          </a:xfrm>
+          <a:prstGeom prst="straightConnector1">
+            <a:avLst/>
+          </a:prstGeom>
+          <a:ln>
+            <a:tailEnd type="triangle"/>
+          </a:ln>
+        </p:spPr>
+        <p:style>
+          <a:lnRef idx="1">
+            <a:schemeClr val="accent1"/>
+          </a:lnRef>
+          <a:fillRef idx="0">
+            <a:schemeClr val="accent1"/>
+          </a:fillRef>
+          <a:effectRef idx="0">
+            <a:schemeClr val="accent1"/>
+          </a:effectRef>
+          <a:fontRef idx="minor">
+            <a:schemeClr val="tx1"/>
+          </a:fontRef>
+        </p:style>
+      </p:cxnSp>
+      <p:sp>
+        <p:nvSpPr>
+          <p:cNvPr id="11" name="TextBox 10">
+            <a:extLst>
+              <a:ext uri="{FF2B5EF4-FFF2-40B4-BE49-F238E27FC236}">
+                <a16:creationId xmlns:a16="http://schemas.microsoft.com/office/drawing/2014/main" id="{A5A76949-29B0-4376-AD89-796DE1A72863}"/>
+              </a:ext>
+            </a:extLst>
+          </p:cNvPr>
+          <p:cNvSpPr txBox="1"/>
+          <p:nvPr/>
+        </p:nvSpPr>
+        <p:spPr>
+          <a:xfrm>
+            <a:off x="3826274" y="1658931"/>
+            <a:ext cx="797013" cy="369332"/>
+          </a:xfrm>
+          <a:prstGeom prst="rect">
+            <a:avLst/>
+          </a:prstGeom>
+          <a:noFill/>
+        </p:spPr>
+        <p:txBody>
+          <a:bodyPr wrap="none" rtlCol="0">
+            <a:spAutoFit/>
+          </a:bodyPr>
+          <a:lstStyle/>
+          <a:p>
+            <a:r>
+              <a:rPr lang="en-US" dirty="0"/>
+              <a:t>tile </a:t>
+            </a:r>
+            <a:r>
+              <a:rPr lang="en-US" dirty="0" err="1"/>
+              <a:t>x,y</a:t>
+            </a:r>
+            <a:endParaRPr lang="LID4096" dirty="0"/>
+          </a:p>
+        </p:txBody>
+      </p:sp>
+      <p:sp>
+        <p:nvSpPr>
+          <p:cNvPr id="13" name="TextBox 12">
+            <a:extLst>
+              <a:ext uri="{FF2B5EF4-FFF2-40B4-BE49-F238E27FC236}">
+                <a16:creationId xmlns:a16="http://schemas.microsoft.com/office/drawing/2014/main" id="{8303148E-F445-424F-8CAB-60097AF0AFDD}"/>
+              </a:ext>
+            </a:extLst>
+          </p:cNvPr>
+          <p:cNvSpPr txBox="1"/>
+          <p:nvPr/>
+        </p:nvSpPr>
+        <p:spPr>
+          <a:xfrm>
+            <a:off x="876252" y="1237526"/>
+            <a:ext cx="1076833" cy="369332"/>
+          </a:xfrm>
+          <a:prstGeom prst="rect">
+            <a:avLst/>
+          </a:prstGeom>
+          <a:noFill/>
+        </p:spPr>
+        <p:txBody>
+          <a:bodyPr wrap="none" rtlCol="0">
+            <a:spAutoFit/>
+          </a:bodyPr>
+          <a:lstStyle/>
+          <a:p>
+            <a:r>
+              <a:rPr lang="en-US" dirty="0"/>
+              <a:t>player </a:t>
+            </a:r>
+            <a:r>
+              <a:rPr lang="en-US" dirty="0" err="1"/>
+              <a:t>x,y</a:t>
+            </a:r>
+            <a:endParaRPr lang="LID4096" dirty="0"/>
+          </a:p>
+        </p:txBody>
+      </p:sp>
+      <p:cxnSp>
+        <p:nvCxnSpPr>
+          <p:cNvPr id="15" name="Straight Arrow Connector 14">
+            <a:extLst>
+              <a:ext uri="{FF2B5EF4-FFF2-40B4-BE49-F238E27FC236}">
+                <a16:creationId xmlns:a16="http://schemas.microsoft.com/office/drawing/2014/main" id="{EAEF7DF7-5F14-49FF-8F4C-DDE57F7A5541}"/>
+              </a:ext>
+            </a:extLst>
+          </p:cNvPr>
+          <p:cNvCxnSpPr>
+            <a:cxnSpLocks/>
+          </p:cNvCxnSpPr>
+          <p:nvPr/>
+        </p:nvCxnSpPr>
+        <p:spPr>
+          <a:xfrm flipV="1">
+            <a:off x="3586576" y="2831977"/>
+            <a:ext cx="1384920" cy="1427825"/>
+          </a:xfrm>
+          <a:prstGeom prst="straightConnector1">
+            <a:avLst/>
+          </a:prstGeom>
+          <a:ln>
+            <a:tailEnd type="triangle"/>
+          </a:ln>
+        </p:spPr>
+        <p:style>
+          <a:lnRef idx="1">
+            <a:schemeClr val="accent1"/>
+          </a:lnRef>
+          <a:fillRef idx="0">
+            <a:schemeClr val="accent1"/>
+          </a:fillRef>
+          <a:effectRef idx="0">
+            <a:schemeClr val="accent1"/>
+          </a:effectRef>
+          <a:fontRef idx="minor">
+            <a:schemeClr val="tx1"/>
+          </a:fontRef>
+        </p:style>
+      </p:cxnSp>
+      <p:sp>
+        <p:nvSpPr>
+          <p:cNvPr id="18" name="TextBox 17">
+            <a:extLst>
+              <a:ext uri="{FF2B5EF4-FFF2-40B4-BE49-F238E27FC236}">
+                <a16:creationId xmlns:a16="http://schemas.microsoft.com/office/drawing/2014/main" id="{3DFE11D0-1744-41C5-8615-6BDF6E90965D}"/>
+              </a:ext>
+            </a:extLst>
+          </p:cNvPr>
+          <p:cNvSpPr txBox="1"/>
+          <p:nvPr/>
+        </p:nvSpPr>
+        <p:spPr>
+          <a:xfrm>
+            <a:off x="3198312" y="3185890"/>
+            <a:ext cx="1646541" cy="369332"/>
+          </a:xfrm>
+          <a:prstGeom prst="rect">
+            <a:avLst/>
+          </a:prstGeom>
+          <a:noFill/>
+        </p:spPr>
+        <p:txBody>
+          <a:bodyPr wrap="none" rtlCol="0">
+            <a:spAutoFit/>
+          </a:bodyPr>
+          <a:lstStyle/>
+          <a:p>
+            <a:r>
+              <a:rPr lang="en-US" dirty="0"/>
+              <a:t>Offset in tile </a:t>
+            </a:r>
+            <a:r>
+              <a:rPr lang="en-US" dirty="0" err="1"/>
+              <a:t>x,y</a:t>
+            </a:r>
+            <a:endParaRPr lang="LID4096" dirty="0"/>
+          </a:p>
+        </p:txBody>
+      </p:sp>
+      <p:cxnSp>
+        <p:nvCxnSpPr>
+          <p:cNvPr id="20" name="Straight Arrow Connector 19">
+            <a:extLst>
+              <a:ext uri="{FF2B5EF4-FFF2-40B4-BE49-F238E27FC236}">
+                <a16:creationId xmlns:a16="http://schemas.microsoft.com/office/drawing/2014/main" id="{5E12DF61-EA70-4095-A990-EDC2CF389231}"/>
+              </a:ext>
+            </a:extLst>
+          </p:cNvPr>
+          <p:cNvCxnSpPr>
+            <a:cxnSpLocks/>
+          </p:cNvCxnSpPr>
+          <p:nvPr/>
+        </p:nvCxnSpPr>
+        <p:spPr>
+          <a:xfrm>
+            <a:off x="479393" y="4191740"/>
+            <a:ext cx="1473692" cy="136123"/>
+          </a:xfrm>
+          <a:prstGeom prst="straightConnector1">
+            <a:avLst/>
+          </a:prstGeom>
+          <a:ln>
+            <a:tailEnd type="triangle"/>
+          </a:ln>
+        </p:spPr>
+        <p:style>
+          <a:lnRef idx="1">
+            <a:schemeClr val="accent1"/>
+          </a:lnRef>
+          <a:fillRef idx="0">
+            <a:schemeClr val="accent1"/>
+          </a:fillRef>
+          <a:effectRef idx="0">
+            <a:schemeClr val="accent1"/>
+          </a:effectRef>
+          <a:fontRef idx="minor">
+            <a:schemeClr val="tx1"/>
+          </a:fontRef>
+        </p:style>
+      </p:cxnSp>
+      <p:sp>
+        <p:nvSpPr>
+          <p:cNvPr id="21" name="TextBox 20">
+            <a:extLst>
+              <a:ext uri="{FF2B5EF4-FFF2-40B4-BE49-F238E27FC236}">
+                <a16:creationId xmlns:a16="http://schemas.microsoft.com/office/drawing/2014/main" id="{EDD71A77-4D28-49F5-AE3B-A3F47CE672DE}"/>
+              </a:ext>
+            </a:extLst>
+          </p:cNvPr>
+          <p:cNvSpPr txBox="1"/>
+          <p:nvPr/>
+        </p:nvSpPr>
+        <p:spPr>
+          <a:xfrm>
+            <a:off x="719091" y="3880111"/>
+            <a:ext cx="644344" cy="369332"/>
+          </a:xfrm>
+          <a:prstGeom prst="rect">
+            <a:avLst/>
+          </a:prstGeom>
+          <a:noFill/>
+        </p:spPr>
+        <p:txBody>
+          <a:bodyPr wrap="none" rtlCol="0">
+            <a:spAutoFit/>
+          </a:bodyPr>
+          <a:lstStyle/>
+          <a:p>
+            <a:r>
+              <a:rPr lang="en-US" dirty="0"/>
+              <a:t>state</a:t>
+            </a:r>
+            <a:endParaRPr lang="LID4096" dirty="0"/>
+          </a:p>
+        </p:txBody>
+      </p:sp>
+    </p:spTree>
+    <p:extLst>
+      <p:ext uri="{BB962C8B-B14F-4D97-AF65-F5344CB8AC3E}">
+        <p14:creationId xmlns:p14="http://schemas.microsoft.com/office/powerpoint/2010/main" val="4193684738"/>
       </p:ext>
     </p:extLst>
   </p:cSld>
@@ -12904,6 +14170,15 @@
 </file>
 
 <file path=customXml/item1.xml><?xml version="1.0" encoding="utf-8"?>
+<?mso-contentType ?>
+<FormTemplates xmlns="http://schemas.microsoft.com/sharepoint/v3/contenttype/forms">
+  <Display>DocumentLibraryForm</Display>
+  <Edit>DocumentLibraryForm</Edit>
+  <New>DocumentLibraryForm</New>
+</FormTemplates>
+</file>
+
+<file path=customXml/item2.xml><?xml version="1.0" encoding="utf-8"?>
 <ct:contentTypeSchema xmlns:ct="http://schemas.microsoft.com/office/2006/metadata/contentType" xmlns:ma="http://schemas.microsoft.com/office/2006/metadata/properties/metaAttributes" ct:_="" ma:_="" ma:contentTypeName="Document" ma:contentTypeID="0x0101008D5733C758A8A34FA72BC7C49E737D8A" ma:contentTypeVersion="2" ma:contentTypeDescription="Create a new document." ma:contentTypeScope="" ma:versionID="f78b4246bf63621fd8727b28b5bddc5e">
   <xsd:schema xmlns:xsd="http://www.w3.org/2001/XMLSchema" xmlns:xs="http://www.w3.org/2001/XMLSchema" xmlns:p="http://schemas.microsoft.com/office/2006/metadata/properties" xmlns:ns3="cbbd1458-d63e-4a1d-8ac0-715ba4af8b8a" targetNamespace="http://schemas.microsoft.com/office/2006/metadata/properties" ma:root="true" ma:fieldsID="087d7eaa4dd545ca8403e2deac85be01" ns3:_="">
     <xsd:import namespace="cbbd1458-d63e-4a1d-8ac0-715ba4af8b8a"/>
@@ -13035,15 +14310,6 @@
 </ct:contentTypeSchema>
 </file>
 
-<file path=customXml/item2.xml><?xml version="1.0" encoding="utf-8"?>
-<?mso-contentType ?>
-<FormTemplates xmlns="http://schemas.microsoft.com/sharepoint/v3/contenttype/forms">
-  <Display>DocumentLibraryForm</Display>
-  <Edit>DocumentLibraryForm</Edit>
-  <New>DocumentLibraryForm</New>
-</FormTemplates>
-</file>
-
 <file path=customXml/item3.xml><?xml version="1.0" encoding="utf-8"?>
 <p:properties xmlns:p="http://schemas.microsoft.com/office/2006/metadata/properties" xmlns:xsi="http://www.w3.org/2001/XMLSchema-instance" xmlns:pc="http://schemas.microsoft.com/office/infopath/2007/PartnerControls">
   <documentManagement/>
@@ -13051,6 +14317,14 @@
 </file>
 
 <file path=customXml/itemProps1.xml><?xml version="1.0" encoding="utf-8"?>
+<ds:datastoreItem xmlns:ds="http://schemas.openxmlformats.org/officeDocument/2006/customXml" ds:itemID="{0415F3F4-12E4-4841-9E19-D62AC644724D}">
+  <ds:schemaRefs>
+    <ds:schemaRef ds:uri="http://schemas.microsoft.com/sharepoint/v3/contenttype/forms"/>
+  </ds:schemaRefs>
+</ds:datastoreItem>
+</file>
+
+<file path=customXml/itemProps2.xml><?xml version="1.0" encoding="utf-8"?>
 <ds:datastoreItem xmlns:ds="http://schemas.openxmlformats.org/officeDocument/2006/customXml" ds:itemID="{74196D5A-10EC-4774-A0EF-5BD02D515786}">
   <ds:schemaRefs>
     <ds:schemaRef ds:uri="http://schemas.microsoft.com/office/2006/metadata/contentType"/>
@@ -13064,14 +14338,6 @@
     <ds:schemaRef ds:uri="http://purl.org/dc/elements/1.1/"/>
     <ds:schemaRef ds:uri="http://purl.org/dc/terms/"/>
     <ds:schemaRef ds:uri="http://schemas.microsoft.com/internal/obd"/>
-  </ds:schemaRefs>
-</ds:datastoreItem>
-</file>
-
-<file path=customXml/itemProps2.xml><?xml version="1.0" encoding="utf-8"?>
-<ds:datastoreItem xmlns:ds="http://schemas.openxmlformats.org/officeDocument/2006/customXml" ds:itemID="{0415F3F4-12E4-4841-9E19-D62AC644724D}">
-  <ds:schemaRefs>
-    <ds:schemaRef ds:uri="http://schemas.microsoft.com/sharepoint/v3/contenttype/forms"/>
   </ds:schemaRefs>
 </ds:datastoreItem>
 </file>

--- a/lab_project.pptx
+++ b/lab_project.pptx
@@ -10,7 +10,8 @@
     <p:sldId id="258" r:id="rId7"/>
     <p:sldId id="259" r:id="rId8"/>
     <p:sldId id="260" r:id="rId9"/>
-    <p:sldId id="261" r:id="rId10"/>
+    <p:sldId id="262" r:id="rId10"/>
+    <p:sldId id="261" r:id="rId11"/>
   </p:sldIdLst>
   <p:sldSz cx="12192000" cy="6858000"/>
   <p:notesSz cx="6858000" cy="9144000"/>
@@ -1446,7 +1447,7 @@
           <a:p>
             <a:fld id="{72345051-2045-45DA-935E-2E3CA1A69ADC}" type="datetimeFigureOut">
               <a:rPr lang="en-US" smtClean="0"/>
-              <a:t>9/1/2020</a:t>
+              <a:t>9/14/2020</a:t>
             </a:fld>
             <a:endParaRPr lang="en-US" dirty="0"/>
           </a:p>
@@ -1644,7 +1645,7 @@
           <a:p>
             <a:fld id="{72345051-2045-45DA-935E-2E3CA1A69ADC}" type="datetimeFigureOut">
               <a:rPr lang="en-US" smtClean="0"/>
-              <a:t>9/1/2020</a:t>
+              <a:t>9/14/2020</a:t>
             </a:fld>
             <a:endParaRPr lang="en-US"/>
           </a:p>
@@ -1852,7 +1853,7 @@
           <a:p>
             <a:fld id="{72345051-2045-45DA-935E-2E3CA1A69ADC}" type="datetimeFigureOut">
               <a:rPr lang="en-US" smtClean="0"/>
-              <a:t>9/1/2020</a:t>
+              <a:t>9/14/2020</a:t>
             </a:fld>
             <a:endParaRPr lang="en-US"/>
           </a:p>
@@ -2074,7 +2075,7 @@
           <a:p>
             <a:fld id="{72345051-2045-45DA-935E-2E3CA1A69ADC}" type="datetimeFigureOut">
               <a:rPr lang="en-US" smtClean="0"/>
-              <a:t>9/1/2020</a:t>
+              <a:t>9/14/2020</a:t>
             </a:fld>
             <a:endParaRPr lang="en-US"/>
           </a:p>
@@ -2985,7 +2986,7 @@
           <a:p>
             <a:fld id="{72345051-2045-45DA-935E-2E3CA1A69ADC}" type="datetimeFigureOut">
               <a:rPr lang="en-US" smtClean="0"/>
-              <a:t>9/1/2020</a:t>
+              <a:t>9/14/2020</a:t>
             </a:fld>
             <a:endParaRPr lang="en-US"/>
           </a:p>
@@ -3588,7 +3589,7 @@
           <a:p>
             <a:fld id="{72345051-2045-45DA-935E-2E3CA1A69ADC}" type="datetimeFigureOut">
               <a:rPr lang="en-US" smtClean="0"/>
-              <a:t>9/1/2020</a:t>
+              <a:t>9/14/2020</a:t>
             </a:fld>
             <a:endParaRPr lang="en-US"/>
           </a:p>
@@ -4636,7 +4637,7 @@
           <a:p>
             <a:fld id="{72345051-2045-45DA-935E-2E3CA1A69ADC}" type="datetimeFigureOut">
               <a:rPr lang="en-US" smtClean="0"/>
-              <a:t>9/1/2020</a:t>
+              <a:t>9/14/2020</a:t>
             </a:fld>
             <a:endParaRPr lang="en-US"/>
           </a:p>
@@ -5420,7 +5421,7 @@
           <a:p>
             <a:fld id="{72345051-2045-45DA-935E-2E3CA1A69ADC}" type="datetimeFigureOut">
               <a:rPr lang="en-US" smtClean="0"/>
-              <a:t>9/1/2020</a:t>
+              <a:t>9/14/2020</a:t>
             </a:fld>
             <a:endParaRPr lang="en-US"/>
           </a:p>
@@ -5869,7 +5870,7 @@
           <a:p>
             <a:fld id="{72345051-2045-45DA-935E-2E3CA1A69ADC}" type="datetimeFigureOut">
               <a:rPr lang="en-US" smtClean="0"/>
-              <a:t>9/1/2020</a:t>
+              <a:t>9/14/2020</a:t>
             </a:fld>
             <a:endParaRPr lang="en-US"/>
           </a:p>
@@ -6186,7 +6187,7 @@
           <a:p>
             <a:fld id="{72345051-2045-45DA-935E-2E3CA1A69ADC}" type="datetimeFigureOut">
               <a:rPr lang="en-US" smtClean="0"/>
-              <a:t>9/1/2020</a:t>
+              <a:t>9/14/2020</a:t>
             </a:fld>
             <a:endParaRPr lang="en-US"/>
           </a:p>
@@ -6814,7 +6815,7 @@
           <a:p>
             <a:fld id="{72345051-2045-45DA-935E-2E3CA1A69ADC}" type="datetimeFigureOut">
               <a:rPr lang="en-US" smtClean="0"/>
-              <a:t>9/1/2020</a:t>
+              <a:t>9/14/2020</a:t>
             </a:fld>
             <a:endParaRPr lang="en-US"/>
           </a:p>
@@ -7387,7 +7388,7 @@
           <a:p>
             <a:fld id="{72345051-2045-45DA-935E-2E3CA1A69ADC}" type="datetimeFigureOut">
               <a:rPr lang="en-US" smtClean="0"/>
-              <a:t>9/1/2020</a:t>
+              <a:t>9/14/2020</a:t>
             </a:fld>
             <a:endParaRPr lang="en-US" dirty="0"/>
           </a:p>
@@ -13343,6 +13344,106 @@
           </a:p>
         </p:txBody>
       </p:sp>
+      <p:sp>
+        <p:nvSpPr>
+          <p:cNvPr id="3" name="Oval 41">
+            <a:extLst>
+              <a:ext uri="{FF2B5EF4-FFF2-40B4-BE49-F238E27FC236}">
+                <a16:creationId xmlns:a16="http://schemas.microsoft.com/office/drawing/2014/main" id="{60E48A61-DBC8-4A7B-9C1C-6B26B016D74D}"/>
+              </a:ext>
+            </a:extLst>
+          </p:cNvPr>
+          <p:cNvSpPr/>
+          <p:nvPr/>
+        </p:nvSpPr>
+        <p:spPr>
+          <a:xfrm>
+            <a:off x="5390944" y="3365809"/>
+            <a:ext cx="1136342" cy="1207363"/>
+          </a:xfrm>
+          <a:prstGeom prst="ellipse">
+            <a:avLst/>
+          </a:prstGeom>
+        </p:spPr>
+        <p:style>
+          <a:lnRef idx="2">
+            <a:schemeClr val="accent1">
+              <a:shade val="50000"/>
+            </a:schemeClr>
+          </a:lnRef>
+          <a:fillRef idx="1">
+            <a:schemeClr val="accent1"/>
+          </a:fillRef>
+          <a:effectRef idx="0">
+            <a:schemeClr val="accent1"/>
+          </a:effectRef>
+          <a:fontRef idx="minor">
+            <a:schemeClr val="lt1"/>
+          </a:fontRef>
+        </p:style>
+        <p:txBody>
+          <a:bodyPr rtlCol="0" anchor="ctr"/>
+          <a:lstStyle/>
+          <a:p>
+            <a:pPr algn="ctr"/>
+            <a:r>
+              <a:rPr lang="en-US" dirty="0"/>
+              <a:t>up</a:t>
+            </a:r>
+            <a:endParaRPr lang="LID4096" dirty="0"/>
+          </a:p>
+        </p:txBody>
+      </p:sp>
+      <p:sp>
+        <p:nvSpPr>
+          <p:cNvPr id="5" name="Oval 41">
+            <a:extLst>
+              <a:ext uri="{FF2B5EF4-FFF2-40B4-BE49-F238E27FC236}">
+                <a16:creationId xmlns:a16="http://schemas.microsoft.com/office/drawing/2014/main" id="{BF3F9E9D-9A07-4B71-B66E-5856184F03FF}"/>
+              </a:ext>
+            </a:extLst>
+          </p:cNvPr>
+          <p:cNvSpPr/>
+          <p:nvPr/>
+        </p:nvSpPr>
+        <p:spPr>
+          <a:xfrm>
+            <a:off x="8029692" y="3428999"/>
+            <a:ext cx="1136342" cy="1207363"/>
+          </a:xfrm>
+          <a:prstGeom prst="ellipse">
+            <a:avLst/>
+          </a:prstGeom>
+        </p:spPr>
+        <p:style>
+          <a:lnRef idx="2">
+            <a:schemeClr val="accent1">
+              <a:shade val="50000"/>
+            </a:schemeClr>
+          </a:lnRef>
+          <a:fillRef idx="1">
+            <a:schemeClr val="accent1"/>
+          </a:fillRef>
+          <a:effectRef idx="0">
+            <a:schemeClr val="accent1"/>
+          </a:effectRef>
+          <a:fontRef idx="minor">
+            <a:schemeClr val="lt1"/>
+          </a:fontRef>
+        </p:style>
+        <p:txBody>
+          <a:bodyPr rtlCol="0" anchor="ctr"/>
+          <a:lstStyle/>
+          <a:p>
+            <a:pPr algn="ctr"/>
+            <a:r>
+              <a:rPr lang="en-US" dirty="0"/>
+              <a:t>up</a:t>
+            </a:r>
+            <a:endParaRPr lang="LID4096" dirty="0"/>
+          </a:p>
+        </p:txBody>
+      </p:sp>
     </p:spTree>
     <p:extLst>
       <p:ext uri="{BB962C8B-B14F-4D97-AF65-F5344CB8AC3E}">
@@ -13357,6 +13458,2359 @@
 </file>
 
 <file path=ppt/slides/slide6.xml><?xml version="1.0" encoding="utf-8"?>
+<p:sld xmlns:a="http://schemas.openxmlformats.org/drawingml/2006/main" xmlns:r="http://schemas.openxmlformats.org/officeDocument/2006/relationships" xmlns:p="http://schemas.openxmlformats.org/presentationml/2006/main">
+  <p:cSld>
+    <p:spTree>
+      <p:nvGrpSpPr>
+        <p:cNvPr id="1" name=""/>
+        <p:cNvGrpSpPr/>
+        <p:nvPr/>
+      </p:nvGrpSpPr>
+      <p:grpSpPr>
+        <a:xfrm>
+          <a:off x="0" y="0"/>
+          <a:ext cx="0" cy="0"/>
+          <a:chOff x="0" y="0"/>
+          <a:chExt cx="0" cy="0"/>
+        </a:xfrm>
+      </p:grpSpPr>
+      <p:sp>
+        <p:nvSpPr>
+          <p:cNvPr id="3" name="Oval 41">
+            <a:extLst>
+              <a:ext uri="{FF2B5EF4-FFF2-40B4-BE49-F238E27FC236}">
+                <a16:creationId xmlns:a16="http://schemas.microsoft.com/office/drawing/2014/main" id="{D11AA45B-E5B3-49DA-8FF3-7E118ABDE03D}"/>
+              </a:ext>
+            </a:extLst>
+          </p:cNvPr>
+          <p:cNvSpPr/>
+          <p:nvPr/>
+        </p:nvSpPr>
+        <p:spPr>
+          <a:xfrm>
+            <a:off x="689325" y="2623656"/>
+            <a:ext cx="1136342" cy="1207363"/>
+          </a:xfrm>
+          <a:prstGeom prst="ellipse">
+            <a:avLst/>
+          </a:prstGeom>
+          <a:solidFill>
+            <a:schemeClr val="tx2">
+              <a:lumMod val="25000"/>
+              <a:lumOff val="75000"/>
+            </a:schemeClr>
+          </a:solidFill>
+          <a:ln>
+            <a:solidFill>
+              <a:schemeClr val="tx2">
+                <a:lumMod val="50000"/>
+                <a:lumOff val="50000"/>
+              </a:schemeClr>
+            </a:solidFill>
+          </a:ln>
+        </p:spPr>
+        <p:style>
+          <a:lnRef idx="2">
+            <a:schemeClr val="accent1">
+              <a:shade val="50000"/>
+            </a:schemeClr>
+          </a:lnRef>
+          <a:fillRef idx="1">
+            <a:schemeClr val="accent1"/>
+          </a:fillRef>
+          <a:effectRef idx="0">
+            <a:schemeClr val="accent1"/>
+          </a:effectRef>
+          <a:fontRef idx="minor">
+            <a:schemeClr val="lt1"/>
+          </a:fontRef>
+        </p:style>
+        <p:txBody>
+          <a:bodyPr rtlCol="0" anchor="ctr"/>
+          <a:lstStyle/>
+          <a:p>
+            <a:pPr algn="ctr"/>
+            <a:r>
+              <a:rPr lang="en-US" dirty="0">
+                <a:solidFill>
+                  <a:schemeClr val="tx1"/>
+                </a:solidFill>
+              </a:rPr>
+              <a:t>Reset</a:t>
+            </a:r>
+            <a:endParaRPr lang="LID4096" dirty="0">
+              <a:solidFill>
+                <a:schemeClr val="tx1"/>
+              </a:solidFill>
+            </a:endParaRPr>
+          </a:p>
+        </p:txBody>
+      </p:sp>
+      <p:sp>
+        <p:nvSpPr>
+          <p:cNvPr id="19" name="Oval 41">
+            <a:extLst>
+              <a:ext uri="{FF2B5EF4-FFF2-40B4-BE49-F238E27FC236}">
+                <a16:creationId xmlns:a16="http://schemas.microsoft.com/office/drawing/2014/main" id="{8A20D5A9-5128-4372-B19E-09AC286B95D0}"/>
+              </a:ext>
+            </a:extLst>
+          </p:cNvPr>
+          <p:cNvSpPr/>
+          <p:nvPr/>
+        </p:nvSpPr>
+        <p:spPr>
+          <a:xfrm>
+            <a:off x="3205994" y="2725719"/>
+            <a:ext cx="1136342" cy="1207363"/>
+          </a:xfrm>
+          <a:prstGeom prst="ellipse">
+            <a:avLst/>
+          </a:prstGeom>
+          <a:solidFill>
+            <a:schemeClr val="tx2">
+              <a:lumMod val="25000"/>
+              <a:lumOff val="75000"/>
+            </a:schemeClr>
+          </a:solidFill>
+          <a:ln>
+            <a:solidFill>
+              <a:schemeClr val="tx2">
+                <a:lumMod val="50000"/>
+                <a:lumOff val="50000"/>
+              </a:schemeClr>
+            </a:solidFill>
+          </a:ln>
+        </p:spPr>
+        <p:style>
+          <a:lnRef idx="2">
+            <a:schemeClr val="accent1">
+              <a:shade val="50000"/>
+            </a:schemeClr>
+          </a:lnRef>
+          <a:fillRef idx="1">
+            <a:schemeClr val="accent1"/>
+          </a:fillRef>
+          <a:effectRef idx="0">
+            <a:schemeClr val="accent1"/>
+          </a:effectRef>
+          <a:fontRef idx="minor">
+            <a:schemeClr val="lt1"/>
+          </a:fontRef>
+        </p:style>
+        <p:txBody>
+          <a:bodyPr rtlCol="0" anchor="ctr"/>
+          <a:lstStyle/>
+          <a:p>
+            <a:pPr algn="ctr"/>
+            <a:r>
+              <a:rPr lang="en-US" dirty="0">
+                <a:solidFill>
+                  <a:schemeClr val="tx1"/>
+                </a:solidFill>
+              </a:rPr>
+              <a:t>Idle</a:t>
+            </a:r>
+            <a:endParaRPr lang="LID4096" dirty="0">
+              <a:solidFill>
+                <a:schemeClr val="tx1"/>
+              </a:solidFill>
+            </a:endParaRPr>
+          </a:p>
+        </p:txBody>
+      </p:sp>
+      <p:sp>
+        <p:nvSpPr>
+          <p:cNvPr id="21" name="Oval 41">
+            <a:extLst>
+              <a:ext uri="{FF2B5EF4-FFF2-40B4-BE49-F238E27FC236}">
+                <a16:creationId xmlns:a16="http://schemas.microsoft.com/office/drawing/2014/main" id="{1DC7B090-9107-449F-93F7-582E5F15E328}"/>
+              </a:ext>
+            </a:extLst>
+          </p:cNvPr>
+          <p:cNvSpPr/>
+          <p:nvPr/>
+        </p:nvSpPr>
+        <p:spPr>
+          <a:xfrm>
+            <a:off x="5527829" y="250967"/>
+            <a:ext cx="1136342" cy="1207363"/>
+          </a:xfrm>
+          <a:prstGeom prst="ellipse">
+            <a:avLst/>
+          </a:prstGeom>
+          <a:solidFill>
+            <a:schemeClr val="tx2">
+              <a:lumMod val="25000"/>
+              <a:lumOff val="75000"/>
+            </a:schemeClr>
+          </a:solidFill>
+          <a:ln>
+            <a:solidFill>
+              <a:schemeClr val="tx2">
+                <a:lumMod val="50000"/>
+                <a:lumOff val="50000"/>
+              </a:schemeClr>
+            </a:solidFill>
+          </a:ln>
+        </p:spPr>
+        <p:style>
+          <a:lnRef idx="2">
+            <a:schemeClr val="accent1">
+              <a:shade val="50000"/>
+            </a:schemeClr>
+          </a:lnRef>
+          <a:fillRef idx="1">
+            <a:schemeClr val="accent1"/>
+          </a:fillRef>
+          <a:effectRef idx="0">
+            <a:schemeClr val="accent1"/>
+          </a:effectRef>
+          <a:fontRef idx="minor">
+            <a:schemeClr val="lt1"/>
+          </a:fontRef>
+        </p:style>
+        <p:txBody>
+          <a:bodyPr rtlCol="0" anchor="ctr"/>
+          <a:lstStyle/>
+          <a:p>
+            <a:pPr algn="ctr"/>
+            <a:r>
+              <a:rPr lang="en-US" dirty="0">
+                <a:solidFill>
+                  <a:schemeClr val="tx1"/>
+                </a:solidFill>
+              </a:rPr>
+              <a:t>Left</a:t>
+            </a:r>
+            <a:endParaRPr lang="LID4096" dirty="0">
+              <a:solidFill>
+                <a:schemeClr val="tx1"/>
+              </a:solidFill>
+            </a:endParaRPr>
+          </a:p>
+        </p:txBody>
+      </p:sp>
+      <p:sp>
+        <p:nvSpPr>
+          <p:cNvPr id="23" name="Oval 41">
+            <a:extLst>
+              <a:ext uri="{FF2B5EF4-FFF2-40B4-BE49-F238E27FC236}">
+                <a16:creationId xmlns:a16="http://schemas.microsoft.com/office/drawing/2014/main" id="{53449F04-391B-4BF0-8578-ED2FD5F0F896}"/>
+              </a:ext>
+            </a:extLst>
+          </p:cNvPr>
+          <p:cNvSpPr/>
+          <p:nvPr/>
+        </p:nvSpPr>
+        <p:spPr>
+          <a:xfrm>
+            <a:off x="8051333" y="2617306"/>
+            <a:ext cx="1136342" cy="1207363"/>
+          </a:xfrm>
+          <a:prstGeom prst="ellipse">
+            <a:avLst/>
+          </a:prstGeom>
+          <a:solidFill>
+            <a:schemeClr val="tx2">
+              <a:lumMod val="25000"/>
+              <a:lumOff val="75000"/>
+            </a:schemeClr>
+          </a:solidFill>
+          <a:ln>
+            <a:solidFill>
+              <a:schemeClr val="tx2">
+                <a:lumMod val="50000"/>
+                <a:lumOff val="50000"/>
+              </a:schemeClr>
+            </a:solidFill>
+          </a:ln>
+        </p:spPr>
+        <p:style>
+          <a:lnRef idx="2">
+            <a:schemeClr val="accent1">
+              <a:shade val="50000"/>
+            </a:schemeClr>
+          </a:lnRef>
+          <a:fillRef idx="1">
+            <a:schemeClr val="accent1"/>
+          </a:fillRef>
+          <a:effectRef idx="0">
+            <a:schemeClr val="accent1"/>
+          </a:effectRef>
+          <a:fontRef idx="minor">
+            <a:schemeClr val="lt1"/>
+          </a:fontRef>
+        </p:style>
+        <p:txBody>
+          <a:bodyPr rtlCol="0" anchor="ctr"/>
+          <a:lstStyle/>
+          <a:p>
+            <a:pPr algn="ctr"/>
+            <a:r>
+              <a:rPr lang="en-US" dirty="0">
+                <a:solidFill>
+                  <a:schemeClr val="tx1"/>
+                </a:solidFill>
+              </a:rPr>
+              <a:t>Right</a:t>
+            </a:r>
+            <a:endParaRPr lang="LID4096" dirty="0">
+              <a:solidFill>
+                <a:schemeClr val="tx1"/>
+              </a:solidFill>
+            </a:endParaRPr>
+          </a:p>
+        </p:txBody>
+      </p:sp>
+      <p:sp>
+        <p:nvSpPr>
+          <p:cNvPr id="25" name="Oval 41">
+            <a:extLst>
+              <a:ext uri="{FF2B5EF4-FFF2-40B4-BE49-F238E27FC236}">
+                <a16:creationId xmlns:a16="http://schemas.microsoft.com/office/drawing/2014/main" id="{C1C27772-4265-4324-8E01-9961FC1058EF}"/>
+              </a:ext>
+            </a:extLst>
+          </p:cNvPr>
+          <p:cNvSpPr/>
+          <p:nvPr/>
+        </p:nvSpPr>
+        <p:spPr>
+          <a:xfrm>
+            <a:off x="4172194" y="5155034"/>
+            <a:ext cx="1136342" cy="1207363"/>
+          </a:xfrm>
+          <a:prstGeom prst="ellipse">
+            <a:avLst/>
+          </a:prstGeom>
+          <a:solidFill>
+            <a:schemeClr val="tx2">
+              <a:lumMod val="25000"/>
+              <a:lumOff val="75000"/>
+            </a:schemeClr>
+          </a:solidFill>
+          <a:ln>
+            <a:solidFill>
+              <a:schemeClr val="tx2">
+                <a:lumMod val="50000"/>
+                <a:lumOff val="50000"/>
+              </a:schemeClr>
+            </a:solidFill>
+          </a:ln>
+        </p:spPr>
+        <p:style>
+          <a:lnRef idx="2">
+            <a:schemeClr val="accent1">
+              <a:shade val="50000"/>
+            </a:schemeClr>
+          </a:lnRef>
+          <a:fillRef idx="1">
+            <a:schemeClr val="accent1"/>
+          </a:fillRef>
+          <a:effectRef idx="0">
+            <a:schemeClr val="accent1"/>
+          </a:effectRef>
+          <a:fontRef idx="minor">
+            <a:schemeClr val="lt1"/>
+          </a:fontRef>
+        </p:style>
+        <p:txBody>
+          <a:bodyPr rtlCol="0" anchor="ctr"/>
+          <a:lstStyle/>
+          <a:p>
+            <a:pPr algn="ctr"/>
+            <a:r>
+              <a:rPr lang="en-US" dirty="0">
+                <a:solidFill>
+                  <a:schemeClr val="tx1"/>
+                </a:solidFill>
+              </a:rPr>
+              <a:t>Down</a:t>
+            </a:r>
+            <a:endParaRPr lang="LID4096" dirty="0">
+              <a:solidFill>
+                <a:schemeClr val="tx1"/>
+              </a:solidFill>
+            </a:endParaRPr>
+          </a:p>
+        </p:txBody>
+      </p:sp>
+      <p:sp>
+        <p:nvSpPr>
+          <p:cNvPr id="27" name="Oval 41">
+            <a:extLst>
+              <a:ext uri="{FF2B5EF4-FFF2-40B4-BE49-F238E27FC236}">
+                <a16:creationId xmlns:a16="http://schemas.microsoft.com/office/drawing/2014/main" id="{F21F8BAF-89E2-47D1-9F3D-CB10EE1FA56F}"/>
+              </a:ext>
+            </a:extLst>
+          </p:cNvPr>
+          <p:cNvSpPr/>
+          <p:nvPr/>
+        </p:nvSpPr>
+        <p:spPr>
+          <a:xfrm>
+            <a:off x="7081557" y="5155034"/>
+            <a:ext cx="1136342" cy="1207363"/>
+          </a:xfrm>
+          <a:prstGeom prst="ellipse">
+            <a:avLst/>
+          </a:prstGeom>
+          <a:solidFill>
+            <a:schemeClr val="tx2">
+              <a:lumMod val="25000"/>
+              <a:lumOff val="75000"/>
+            </a:schemeClr>
+          </a:solidFill>
+          <a:ln>
+            <a:solidFill>
+              <a:schemeClr val="tx2">
+                <a:lumMod val="50000"/>
+                <a:lumOff val="50000"/>
+              </a:schemeClr>
+            </a:solidFill>
+          </a:ln>
+        </p:spPr>
+        <p:style>
+          <a:lnRef idx="2">
+            <a:schemeClr val="accent1">
+              <a:shade val="50000"/>
+            </a:schemeClr>
+          </a:lnRef>
+          <a:fillRef idx="1">
+            <a:schemeClr val="accent1"/>
+          </a:fillRef>
+          <a:effectRef idx="0">
+            <a:schemeClr val="accent1"/>
+          </a:effectRef>
+          <a:fontRef idx="minor">
+            <a:schemeClr val="lt1"/>
+          </a:fontRef>
+        </p:style>
+        <p:txBody>
+          <a:bodyPr rtlCol="0" anchor="ctr"/>
+          <a:lstStyle/>
+          <a:p>
+            <a:pPr algn="ctr"/>
+            <a:r>
+              <a:rPr lang="en-US" dirty="0">
+                <a:solidFill>
+                  <a:schemeClr val="tx1"/>
+                </a:solidFill>
+              </a:rPr>
+              <a:t>Up</a:t>
+            </a:r>
+            <a:endParaRPr lang="LID4096" dirty="0">
+              <a:solidFill>
+                <a:schemeClr val="tx1"/>
+              </a:solidFill>
+            </a:endParaRPr>
+          </a:p>
+        </p:txBody>
+      </p:sp>
+      <p:sp>
+        <p:nvSpPr>
+          <p:cNvPr id="29" name="Oval 41">
+            <a:extLst>
+              <a:ext uri="{FF2B5EF4-FFF2-40B4-BE49-F238E27FC236}">
+                <a16:creationId xmlns:a16="http://schemas.microsoft.com/office/drawing/2014/main" id="{C9EAE0B4-8E94-4BC5-A32E-B264D2CD569C}"/>
+              </a:ext>
+            </a:extLst>
+          </p:cNvPr>
+          <p:cNvSpPr/>
+          <p:nvPr/>
+        </p:nvSpPr>
+        <p:spPr>
+          <a:xfrm>
+            <a:off x="10794505" y="2630007"/>
+            <a:ext cx="1136342" cy="1207363"/>
+          </a:xfrm>
+          <a:prstGeom prst="ellipse">
+            <a:avLst/>
+          </a:prstGeom>
+          <a:solidFill>
+            <a:schemeClr val="tx2">
+              <a:lumMod val="25000"/>
+              <a:lumOff val="75000"/>
+            </a:schemeClr>
+          </a:solidFill>
+          <a:ln>
+            <a:solidFill>
+              <a:schemeClr val="tx2">
+                <a:lumMod val="50000"/>
+                <a:lumOff val="50000"/>
+              </a:schemeClr>
+            </a:solidFill>
+          </a:ln>
+        </p:spPr>
+        <p:style>
+          <a:lnRef idx="2">
+            <a:schemeClr val="accent1">
+              <a:shade val="50000"/>
+            </a:schemeClr>
+          </a:lnRef>
+          <a:fillRef idx="1">
+            <a:schemeClr val="accent1"/>
+          </a:fillRef>
+          <a:effectRef idx="0">
+            <a:schemeClr val="accent1"/>
+          </a:effectRef>
+          <a:fontRef idx="minor">
+            <a:schemeClr val="lt1"/>
+          </a:fontRef>
+        </p:style>
+        <p:txBody>
+          <a:bodyPr rtlCol="0" anchor="ctr"/>
+          <a:lstStyle/>
+          <a:p>
+            <a:pPr algn="ctr"/>
+            <a:r>
+              <a:rPr lang="en-US" dirty="0">
+                <a:solidFill>
+                  <a:schemeClr val="tx1"/>
+                </a:solidFill>
+              </a:rPr>
+              <a:t>Die</a:t>
+            </a:r>
+            <a:endParaRPr lang="LID4096" dirty="0">
+              <a:solidFill>
+                <a:schemeClr val="tx1"/>
+              </a:solidFill>
+            </a:endParaRPr>
+          </a:p>
+        </p:txBody>
+      </p:sp>
+      <p:sp>
+        <p:nvSpPr>
+          <p:cNvPr id="30" name="תיבת טקסט 29">
+            <a:extLst>
+              <a:ext uri="{FF2B5EF4-FFF2-40B4-BE49-F238E27FC236}">
+                <a16:creationId xmlns:a16="http://schemas.microsoft.com/office/drawing/2014/main" id="{312DD390-98D3-41F0-8E8B-27816CAF3C03}"/>
+              </a:ext>
+            </a:extLst>
+          </p:cNvPr>
+          <p:cNvSpPr txBox="1"/>
+          <p:nvPr/>
+        </p:nvSpPr>
+        <p:spPr>
+          <a:xfrm rot="2687996">
+            <a:off x="1091186" y="4765467"/>
+            <a:ext cx="869680" cy="307777"/>
+          </a:xfrm>
+          <a:prstGeom prst="rect">
+            <a:avLst/>
+          </a:prstGeom>
+          <a:noFill/>
+        </p:spPr>
+        <p:txBody>
+          <a:bodyPr wrap="square" rtlCol="0">
+            <a:spAutoFit/>
+          </a:bodyPr>
+          <a:lstStyle/>
+          <a:p>
+            <a:r>
+              <a:rPr lang="en-US" sz="1400" dirty="0"/>
+              <a:t>Press key</a:t>
+            </a:r>
+            <a:endParaRPr lang="LID4096" sz="1400" dirty="0"/>
+          </a:p>
+        </p:txBody>
+      </p:sp>
+      <p:cxnSp>
+        <p:nvCxnSpPr>
+          <p:cNvPr id="32" name="מחבר: מעוקל 31">
+            <a:extLst>
+              <a:ext uri="{FF2B5EF4-FFF2-40B4-BE49-F238E27FC236}">
+                <a16:creationId xmlns:a16="http://schemas.microsoft.com/office/drawing/2014/main" id="{FCAE2772-09EF-40EF-8F7C-E3AE81C640F7}"/>
+              </a:ext>
+            </a:extLst>
+          </p:cNvPr>
+          <p:cNvCxnSpPr>
+            <a:stCxn id="3" idx="4"/>
+            <a:endCxn id="25" idx="2"/>
+          </p:cNvCxnSpPr>
+          <p:nvPr/>
+        </p:nvCxnSpPr>
+        <p:spPr>
+          <a:xfrm rot="16200000" flipH="1">
+            <a:off x="1750997" y="3337518"/>
+            <a:ext cx="1927697" cy="2914698"/>
+          </a:xfrm>
+          <a:prstGeom prst="curvedConnector2">
+            <a:avLst/>
+          </a:prstGeom>
+          <a:ln>
+            <a:solidFill>
+              <a:schemeClr val="tx1"/>
+            </a:solidFill>
+            <a:tailEnd type="triangle"/>
+          </a:ln>
+        </p:spPr>
+        <p:style>
+          <a:lnRef idx="1">
+            <a:schemeClr val="accent1"/>
+          </a:lnRef>
+          <a:fillRef idx="0">
+            <a:schemeClr val="accent1"/>
+          </a:fillRef>
+          <a:effectRef idx="0">
+            <a:schemeClr val="accent1"/>
+          </a:effectRef>
+          <a:fontRef idx="minor">
+            <a:schemeClr val="tx1"/>
+          </a:fontRef>
+        </p:style>
+      </p:cxnSp>
+      <p:cxnSp>
+        <p:nvCxnSpPr>
+          <p:cNvPr id="34" name="מחבר: מעוקל 33">
+            <a:extLst>
+              <a:ext uri="{FF2B5EF4-FFF2-40B4-BE49-F238E27FC236}">
+                <a16:creationId xmlns:a16="http://schemas.microsoft.com/office/drawing/2014/main" id="{32C3A409-BF68-4162-8AEE-8167929DA549}"/>
+              </a:ext>
+            </a:extLst>
+          </p:cNvPr>
+          <p:cNvCxnSpPr>
+            <a:cxnSpLocks/>
+          </p:cNvCxnSpPr>
+          <p:nvPr/>
+        </p:nvCxnSpPr>
+        <p:spPr>
+          <a:xfrm rot="5400000" flipH="1" flipV="1">
+            <a:off x="7713402" y="-818852"/>
+            <a:ext cx="272526" cy="7186753"/>
+          </a:xfrm>
+          <a:prstGeom prst="curvedConnector3">
+            <a:avLst>
+              <a:gd name="adj1" fmla="val 183882"/>
+            </a:avLst>
+          </a:prstGeom>
+          <a:ln>
+            <a:solidFill>
+              <a:schemeClr val="tx1"/>
+            </a:solidFill>
+            <a:tailEnd type="triangle"/>
+          </a:ln>
+        </p:spPr>
+        <p:style>
+          <a:lnRef idx="1">
+            <a:schemeClr val="accent1"/>
+          </a:lnRef>
+          <a:fillRef idx="0">
+            <a:schemeClr val="accent1"/>
+          </a:fillRef>
+          <a:effectRef idx="0">
+            <a:schemeClr val="accent1"/>
+          </a:effectRef>
+          <a:fontRef idx="minor">
+            <a:schemeClr val="tx1"/>
+          </a:fontRef>
+        </p:style>
+      </p:cxnSp>
+      <p:cxnSp>
+        <p:nvCxnSpPr>
+          <p:cNvPr id="38" name="מחבר: מעוקל 37">
+            <a:extLst>
+              <a:ext uri="{FF2B5EF4-FFF2-40B4-BE49-F238E27FC236}">
+                <a16:creationId xmlns:a16="http://schemas.microsoft.com/office/drawing/2014/main" id="{B8C1E5BC-5321-49A6-9D6B-99BDF80D3D3C}"/>
+              </a:ext>
+            </a:extLst>
+          </p:cNvPr>
+          <p:cNvCxnSpPr>
+            <a:stCxn id="3" idx="1"/>
+            <a:endCxn id="3" idx="0"/>
+          </p:cNvCxnSpPr>
+          <p:nvPr/>
+        </p:nvCxnSpPr>
+        <p:spPr>
+          <a:xfrm rot="5400000" flipH="1" flipV="1">
+            <a:off x="968210" y="2511184"/>
+            <a:ext cx="176814" cy="401758"/>
+          </a:xfrm>
+          <a:prstGeom prst="curvedConnector3">
+            <a:avLst>
+              <a:gd name="adj1" fmla="val 229288"/>
+            </a:avLst>
+          </a:prstGeom>
+          <a:ln>
+            <a:solidFill>
+              <a:schemeClr val="tx1"/>
+            </a:solidFill>
+            <a:tailEnd type="triangle"/>
+          </a:ln>
+        </p:spPr>
+        <p:style>
+          <a:lnRef idx="1">
+            <a:schemeClr val="accent1"/>
+          </a:lnRef>
+          <a:fillRef idx="0">
+            <a:schemeClr val="accent1"/>
+          </a:fillRef>
+          <a:effectRef idx="0">
+            <a:schemeClr val="accent1"/>
+          </a:effectRef>
+          <a:fontRef idx="minor">
+            <a:schemeClr val="tx1"/>
+          </a:fontRef>
+        </p:style>
+      </p:cxnSp>
+      <p:sp>
+        <p:nvSpPr>
+          <p:cNvPr id="40" name="תיבת טקסט 39">
+            <a:extLst>
+              <a:ext uri="{FF2B5EF4-FFF2-40B4-BE49-F238E27FC236}">
+                <a16:creationId xmlns:a16="http://schemas.microsoft.com/office/drawing/2014/main" id="{37011D8A-935B-4955-ABCF-AED747577A8D}"/>
+              </a:ext>
+            </a:extLst>
+          </p:cNvPr>
+          <p:cNvSpPr txBox="1"/>
+          <p:nvPr/>
+        </p:nvSpPr>
+        <p:spPr>
+          <a:xfrm>
+            <a:off x="408669" y="2051341"/>
+            <a:ext cx="1295895" cy="307777"/>
+          </a:xfrm>
+          <a:prstGeom prst="rect">
+            <a:avLst/>
+          </a:prstGeom>
+          <a:noFill/>
+        </p:spPr>
+        <p:txBody>
+          <a:bodyPr wrap="square" rtlCol="0">
+            <a:spAutoFit/>
+          </a:bodyPr>
+          <a:lstStyle/>
+          <a:p>
+            <a:r>
+              <a:rPr lang="en-US" sz="1400" dirty="0"/>
+              <a:t>No key pressed</a:t>
+            </a:r>
+            <a:endParaRPr lang="LID4096" sz="1400" dirty="0"/>
+          </a:p>
+        </p:txBody>
+      </p:sp>
+      <p:cxnSp>
+        <p:nvCxnSpPr>
+          <p:cNvPr id="42" name="מחבר: מעוקל 41">
+            <a:extLst>
+              <a:ext uri="{FF2B5EF4-FFF2-40B4-BE49-F238E27FC236}">
+                <a16:creationId xmlns:a16="http://schemas.microsoft.com/office/drawing/2014/main" id="{B9E9476A-7F84-41A2-B2AC-613869D6232C}"/>
+              </a:ext>
+            </a:extLst>
+          </p:cNvPr>
+          <p:cNvCxnSpPr>
+            <a:stCxn id="19" idx="1"/>
+            <a:endCxn id="19" idx="0"/>
+          </p:cNvCxnSpPr>
+          <p:nvPr/>
+        </p:nvCxnSpPr>
+        <p:spPr>
+          <a:xfrm rot="5400000" flipH="1" flipV="1">
+            <a:off x="3484879" y="2613247"/>
+            <a:ext cx="176814" cy="401758"/>
+          </a:xfrm>
+          <a:prstGeom prst="curvedConnector3">
+            <a:avLst>
+              <a:gd name="adj1" fmla="val 229288"/>
+            </a:avLst>
+          </a:prstGeom>
+          <a:ln>
+            <a:solidFill>
+              <a:schemeClr val="tx1"/>
+            </a:solidFill>
+            <a:tailEnd type="triangle"/>
+          </a:ln>
+        </p:spPr>
+        <p:style>
+          <a:lnRef idx="1">
+            <a:schemeClr val="accent1"/>
+          </a:lnRef>
+          <a:fillRef idx="0">
+            <a:schemeClr val="accent1"/>
+          </a:fillRef>
+          <a:effectRef idx="0">
+            <a:schemeClr val="accent1"/>
+          </a:effectRef>
+          <a:fontRef idx="minor">
+            <a:schemeClr val="tx1"/>
+          </a:fontRef>
+        </p:style>
+      </p:cxnSp>
+      <p:sp>
+        <p:nvSpPr>
+          <p:cNvPr id="44" name="תיבת טקסט 43">
+            <a:extLst>
+              <a:ext uri="{FF2B5EF4-FFF2-40B4-BE49-F238E27FC236}">
+                <a16:creationId xmlns:a16="http://schemas.microsoft.com/office/drawing/2014/main" id="{68A58F10-C61D-488B-B5E7-6413E2F14AA3}"/>
+              </a:ext>
+            </a:extLst>
+          </p:cNvPr>
+          <p:cNvSpPr txBox="1"/>
+          <p:nvPr/>
+        </p:nvSpPr>
+        <p:spPr>
+          <a:xfrm>
+            <a:off x="3005158" y="2070234"/>
+            <a:ext cx="1295895" cy="307777"/>
+          </a:xfrm>
+          <a:prstGeom prst="rect">
+            <a:avLst/>
+          </a:prstGeom>
+          <a:noFill/>
+        </p:spPr>
+        <p:txBody>
+          <a:bodyPr wrap="square" rtlCol="0">
+            <a:spAutoFit/>
+          </a:bodyPr>
+          <a:lstStyle/>
+          <a:p>
+            <a:r>
+              <a:rPr lang="en-US" sz="1400" dirty="0"/>
+              <a:t>No key pressed</a:t>
+            </a:r>
+            <a:endParaRPr lang="LID4096" sz="1400" dirty="0"/>
+          </a:p>
+        </p:txBody>
+      </p:sp>
+      <p:cxnSp>
+        <p:nvCxnSpPr>
+          <p:cNvPr id="46" name="מחבר: מעוקל 45">
+            <a:extLst>
+              <a:ext uri="{FF2B5EF4-FFF2-40B4-BE49-F238E27FC236}">
+                <a16:creationId xmlns:a16="http://schemas.microsoft.com/office/drawing/2014/main" id="{62EDD19B-8F2A-4918-9165-18DE55B500C7}"/>
+              </a:ext>
+            </a:extLst>
+          </p:cNvPr>
+          <p:cNvCxnSpPr>
+            <a:stCxn id="19" idx="7"/>
+            <a:endCxn id="21" idx="2"/>
+          </p:cNvCxnSpPr>
+          <p:nvPr/>
+        </p:nvCxnSpPr>
+        <p:spPr>
+          <a:xfrm rot="5400000" flipH="1" flipV="1">
+            <a:off x="3827934" y="1202638"/>
+            <a:ext cx="2047884" cy="1351906"/>
+          </a:xfrm>
+          <a:prstGeom prst="curvedConnector2">
+            <a:avLst/>
+          </a:prstGeom>
+          <a:ln>
+            <a:solidFill>
+              <a:schemeClr val="tx1"/>
+            </a:solidFill>
+            <a:tailEnd type="triangle"/>
+          </a:ln>
+        </p:spPr>
+        <p:style>
+          <a:lnRef idx="1">
+            <a:schemeClr val="accent1"/>
+          </a:lnRef>
+          <a:fillRef idx="0">
+            <a:schemeClr val="accent1"/>
+          </a:fillRef>
+          <a:effectRef idx="0">
+            <a:schemeClr val="accent1"/>
+          </a:effectRef>
+          <a:fontRef idx="minor">
+            <a:schemeClr val="tx1"/>
+          </a:fontRef>
+        </p:style>
+      </p:cxnSp>
+      <p:cxnSp>
+        <p:nvCxnSpPr>
+          <p:cNvPr id="48" name="מחבר: מעוקל 47">
+            <a:extLst>
+              <a:ext uri="{FF2B5EF4-FFF2-40B4-BE49-F238E27FC236}">
+                <a16:creationId xmlns:a16="http://schemas.microsoft.com/office/drawing/2014/main" id="{339C7D56-A6CC-433B-8965-7ABDDA44A339}"/>
+              </a:ext>
+            </a:extLst>
+          </p:cNvPr>
+          <p:cNvCxnSpPr>
+            <a:stCxn id="19" idx="5"/>
+            <a:endCxn id="23" idx="4"/>
+          </p:cNvCxnSpPr>
+          <p:nvPr/>
+        </p:nvCxnSpPr>
+        <p:spPr>
+          <a:xfrm rot="16200000" flipH="1">
+            <a:off x="6363513" y="1568677"/>
+            <a:ext cx="68401" cy="4443581"/>
+          </a:xfrm>
+          <a:prstGeom prst="curvedConnector3">
+            <a:avLst>
+              <a:gd name="adj1" fmla="val 592702"/>
+            </a:avLst>
+          </a:prstGeom>
+          <a:ln>
+            <a:solidFill>
+              <a:schemeClr val="tx1"/>
+            </a:solidFill>
+            <a:tailEnd type="triangle"/>
+          </a:ln>
+        </p:spPr>
+        <p:style>
+          <a:lnRef idx="1">
+            <a:schemeClr val="accent1"/>
+          </a:lnRef>
+          <a:fillRef idx="0">
+            <a:schemeClr val="accent1"/>
+          </a:fillRef>
+          <a:effectRef idx="0">
+            <a:schemeClr val="accent1"/>
+          </a:effectRef>
+          <a:fontRef idx="minor">
+            <a:schemeClr val="tx1"/>
+          </a:fontRef>
+        </p:style>
+      </p:cxnSp>
+      <p:cxnSp>
+        <p:nvCxnSpPr>
+          <p:cNvPr id="50" name="מחבר: מעוקל 49">
+            <a:extLst>
+              <a:ext uri="{FF2B5EF4-FFF2-40B4-BE49-F238E27FC236}">
+                <a16:creationId xmlns:a16="http://schemas.microsoft.com/office/drawing/2014/main" id="{50456813-70F5-4168-851C-FF14AF6D29AB}"/>
+              </a:ext>
+            </a:extLst>
+          </p:cNvPr>
+          <p:cNvCxnSpPr>
+            <a:stCxn id="19" idx="4"/>
+            <a:endCxn id="27" idx="1"/>
+          </p:cNvCxnSpPr>
+          <p:nvPr/>
+        </p:nvCxnSpPr>
+        <p:spPr>
+          <a:xfrm rot="16200000" flipH="1">
+            <a:off x="4811684" y="2895562"/>
+            <a:ext cx="1398766" cy="3473805"/>
+          </a:xfrm>
+          <a:prstGeom prst="curvedConnector3">
+            <a:avLst/>
+          </a:prstGeom>
+          <a:ln>
+            <a:solidFill>
+              <a:schemeClr val="tx1"/>
+            </a:solidFill>
+            <a:tailEnd type="triangle"/>
+          </a:ln>
+        </p:spPr>
+        <p:style>
+          <a:lnRef idx="1">
+            <a:schemeClr val="accent1"/>
+          </a:lnRef>
+          <a:fillRef idx="0">
+            <a:schemeClr val="accent1"/>
+          </a:fillRef>
+          <a:effectRef idx="0">
+            <a:schemeClr val="accent1"/>
+          </a:effectRef>
+          <a:fontRef idx="minor">
+            <a:schemeClr val="tx1"/>
+          </a:fontRef>
+        </p:style>
+      </p:cxnSp>
+      <p:sp>
+        <p:nvSpPr>
+          <p:cNvPr id="52" name="תיבת טקסט 51">
+            <a:extLst>
+              <a:ext uri="{FF2B5EF4-FFF2-40B4-BE49-F238E27FC236}">
+                <a16:creationId xmlns:a16="http://schemas.microsoft.com/office/drawing/2014/main" id="{5690DDBC-045E-4B3D-BF1A-5A050918420E}"/>
+              </a:ext>
+            </a:extLst>
+          </p:cNvPr>
+          <p:cNvSpPr txBox="1"/>
+          <p:nvPr/>
+        </p:nvSpPr>
+        <p:spPr>
+          <a:xfrm rot="20329038">
+            <a:off x="5981035" y="3954796"/>
+            <a:ext cx="862858" cy="307777"/>
+          </a:xfrm>
+          <a:prstGeom prst="rect">
+            <a:avLst/>
+          </a:prstGeom>
+          <a:noFill/>
+        </p:spPr>
+        <p:txBody>
+          <a:bodyPr wrap="square" rtlCol="0">
+            <a:spAutoFit/>
+          </a:bodyPr>
+          <a:lstStyle/>
+          <a:p>
+            <a:r>
+              <a:rPr lang="en-US" sz="1400" dirty="0"/>
+              <a:t>Right key</a:t>
+            </a:r>
+            <a:endParaRPr lang="LID4096" sz="1400" dirty="0"/>
+          </a:p>
+        </p:txBody>
+      </p:sp>
+      <p:sp>
+        <p:nvSpPr>
+          <p:cNvPr id="54" name="תיבת טקסט 53">
+            <a:extLst>
+              <a:ext uri="{FF2B5EF4-FFF2-40B4-BE49-F238E27FC236}">
+                <a16:creationId xmlns:a16="http://schemas.microsoft.com/office/drawing/2014/main" id="{2163A1D9-01FB-4F79-9B38-309A92B1163E}"/>
+              </a:ext>
+            </a:extLst>
+          </p:cNvPr>
+          <p:cNvSpPr txBox="1"/>
+          <p:nvPr/>
+        </p:nvSpPr>
+        <p:spPr>
+          <a:xfrm rot="20600732">
+            <a:off x="6308331" y="4727045"/>
+            <a:ext cx="753907" cy="307777"/>
+          </a:xfrm>
+          <a:prstGeom prst="rect">
+            <a:avLst/>
+          </a:prstGeom>
+          <a:noFill/>
+        </p:spPr>
+        <p:txBody>
+          <a:bodyPr wrap="square" rtlCol="0">
+            <a:spAutoFit/>
+          </a:bodyPr>
+          <a:lstStyle/>
+          <a:p>
+            <a:r>
+              <a:rPr lang="en-US" sz="1400" dirty="0"/>
+              <a:t>Up key</a:t>
+            </a:r>
+            <a:endParaRPr lang="LID4096" sz="1400" dirty="0"/>
+          </a:p>
+        </p:txBody>
+      </p:sp>
+      <p:sp>
+        <p:nvSpPr>
+          <p:cNvPr id="56" name="תיבת טקסט 55">
+            <a:extLst>
+              <a:ext uri="{FF2B5EF4-FFF2-40B4-BE49-F238E27FC236}">
+                <a16:creationId xmlns:a16="http://schemas.microsoft.com/office/drawing/2014/main" id="{E8465A91-7B9D-463F-8B67-E79AEBD1F30F}"/>
+              </a:ext>
+            </a:extLst>
+          </p:cNvPr>
+          <p:cNvSpPr txBox="1"/>
+          <p:nvPr/>
+        </p:nvSpPr>
+        <p:spPr>
+          <a:xfrm rot="18050401">
+            <a:off x="3986077" y="1374260"/>
+            <a:ext cx="780782" cy="307777"/>
+          </a:xfrm>
+          <a:prstGeom prst="rect">
+            <a:avLst/>
+          </a:prstGeom>
+          <a:noFill/>
+        </p:spPr>
+        <p:txBody>
+          <a:bodyPr wrap="square" rtlCol="0">
+            <a:spAutoFit/>
+          </a:bodyPr>
+          <a:lstStyle/>
+          <a:p>
+            <a:r>
+              <a:rPr lang="en-US" sz="1400" dirty="0"/>
+              <a:t>Left key</a:t>
+            </a:r>
+            <a:endParaRPr lang="LID4096" sz="1400" dirty="0"/>
+          </a:p>
+        </p:txBody>
+      </p:sp>
+      <p:cxnSp>
+        <p:nvCxnSpPr>
+          <p:cNvPr id="57" name="מחבר: מעוקל 56">
+            <a:extLst>
+              <a:ext uri="{FF2B5EF4-FFF2-40B4-BE49-F238E27FC236}">
+                <a16:creationId xmlns:a16="http://schemas.microsoft.com/office/drawing/2014/main" id="{79D82C28-6E8B-4FF8-8EC7-6D04ABA95C2F}"/>
+              </a:ext>
+            </a:extLst>
+          </p:cNvPr>
+          <p:cNvCxnSpPr>
+            <a:cxnSpLocks/>
+            <a:stCxn id="21" idx="6"/>
+            <a:endCxn id="29" idx="1"/>
+          </p:cNvCxnSpPr>
+          <p:nvPr/>
+        </p:nvCxnSpPr>
+        <p:spPr>
+          <a:xfrm>
+            <a:off x="6664171" y="854649"/>
+            <a:ext cx="4296747" cy="1952172"/>
+          </a:xfrm>
+          <a:prstGeom prst="curvedConnector2">
+            <a:avLst/>
+          </a:prstGeom>
+          <a:ln>
+            <a:solidFill>
+              <a:schemeClr val="tx1"/>
+            </a:solidFill>
+            <a:tailEnd type="triangle"/>
+          </a:ln>
+        </p:spPr>
+        <p:style>
+          <a:lnRef idx="1">
+            <a:schemeClr val="accent1"/>
+          </a:lnRef>
+          <a:fillRef idx="0">
+            <a:schemeClr val="accent1"/>
+          </a:fillRef>
+          <a:effectRef idx="0">
+            <a:schemeClr val="accent1"/>
+          </a:effectRef>
+          <a:fontRef idx="minor">
+            <a:schemeClr val="tx1"/>
+          </a:fontRef>
+        </p:style>
+      </p:cxnSp>
+      <p:sp>
+        <p:nvSpPr>
+          <p:cNvPr id="61" name="תיבת טקסט 60">
+            <a:extLst>
+              <a:ext uri="{FF2B5EF4-FFF2-40B4-BE49-F238E27FC236}">
+                <a16:creationId xmlns:a16="http://schemas.microsoft.com/office/drawing/2014/main" id="{2E3D5989-83D3-4D97-8F84-E2CB74161A76}"/>
+              </a:ext>
+            </a:extLst>
+          </p:cNvPr>
+          <p:cNvSpPr txBox="1"/>
+          <p:nvPr/>
+        </p:nvSpPr>
+        <p:spPr>
+          <a:xfrm rot="19799466">
+            <a:off x="9440339" y="2138221"/>
+            <a:ext cx="2321657" cy="307777"/>
+          </a:xfrm>
+          <a:prstGeom prst="rect">
+            <a:avLst/>
+          </a:prstGeom>
+          <a:noFill/>
+        </p:spPr>
+        <p:txBody>
+          <a:bodyPr wrap="square" rtlCol="0">
+            <a:spAutoFit/>
+          </a:bodyPr>
+          <a:lstStyle/>
+          <a:p>
+            <a:r>
+              <a:rPr lang="en-US" sz="1400" dirty="0"/>
+              <a:t>Border || Spike || Time over</a:t>
+            </a:r>
+            <a:endParaRPr lang="LID4096" sz="1400" dirty="0"/>
+          </a:p>
+        </p:txBody>
+      </p:sp>
+      <p:cxnSp>
+        <p:nvCxnSpPr>
+          <p:cNvPr id="64" name="מחבר: מעוקל 63">
+            <a:extLst>
+              <a:ext uri="{FF2B5EF4-FFF2-40B4-BE49-F238E27FC236}">
+                <a16:creationId xmlns:a16="http://schemas.microsoft.com/office/drawing/2014/main" id="{349CC2B7-E549-438B-BAEC-E2FE45D34412}"/>
+              </a:ext>
+            </a:extLst>
+          </p:cNvPr>
+          <p:cNvCxnSpPr>
+            <a:cxnSpLocks/>
+            <a:stCxn id="25" idx="4"/>
+            <a:endCxn id="29" idx="4"/>
+          </p:cNvCxnSpPr>
+          <p:nvPr/>
+        </p:nvCxnSpPr>
+        <p:spPr>
+          <a:xfrm rot="5400000" flipH="1" flipV="1">
+            <a:off x="6789006" y="1788728"/>
+            <a:ext cx="2525027" cy="6622311"/>
+          </a:xfrm>
+          <a:prstGeom prst="curvedConnector3">
+            <a:avLst>
+              <a:gd name="adj1" fmla="val -9053"/>
+            </a:avLst>
+          </a:prstGeom>
+          <a:ln>
+            <a:solidFill>
+              <a:schemeClr val="tx1"/>
+            </a:solidFill>
+            <a:tailEnd type="triangle"/>
+          </a:ln>
+        </p:spPr>
+        <p:style>
+          <a:lnRef idx="1">
+            <a:schemeClr val="accent1"/>
+          </a:lnRef>
+          <a:fillRef idx="0">
+            <a:schemeClr val="accent1"/>
+          </a:fillRef>
+          <a:effectRef idx="0">
+            <a:schemeClr val="accent1"/>
+          </a:effectRef>
+          <a:fontRef idx="minor">
+            <a:schemeClr val="tx1"/>
+          </a:fontRef>
+        </p:style>
+      </p:cxnSp>
+      <p:cxnSp>
+        <p:nvCxnSpPr>
+          <p:cNvPr id="69" name="מחבר: מעוקל 68">
+            <a:extLst>
+              <a:ext uri="{FF2B5EF4-FFF2-40B4-BE49-F238E27FC236}">
+                <a16:creationId xmlns:a16="http://schemas.microsoft.com/office/drawing/2014/main" id="{6155C0FF-69FC-47F8-93DA-0A962C75240B}"/>
+              </a:ext>
+            </a:extLst>
+          </p:cNvPr>
+          <p:cNvCxnSpPr>
+            <a:cxnSpLocks/>
+            <a:stCxn id="27" idx="6"/>
+            <a:endCxn id="29" idx="4"/>
+          </p:cNvCxnSpPr>
+          <p:nvPr/>
+        </p:nvCxnSpPr>
+        <p:spPr>
+          <a:xfrm flipV="1">
+            <a:off x="8217899" y="3837370"/>
+            <a:ext cx="3144777" cy="1921346"/>
+          </a:xfrm>
+          <a:prstGeom prst="curvedConnector2">
+            <a:avLst/>
+          </a:prstGeom>
+          <a:ln>
+            <a:solidFill>
+              <a:schemeClr val="tx1"/>
+            </a:solidFill>
+            <a:tailEnd type="triangle"/>
+          </a:ln>
+        </p:spPr>
+        <p:style>
+          <a:lnRef idx="1">
+            <a:schemeClr val="accent1"/>
+          </a:lnRef>
+          <a:fillRef idx="0">
+            <a:schemeClr val="accent1"/>
+          </a:fillRef>
+          <a:effectRef idx="0">
+            <a:schemeClr val="accent1"/>
+          </a:effectRef>
+          <a:fontRef idx="minor">
+            <a:schemeClr val="tx1"/>
+          </a:fontRef>
+        </p:style>
+      </p:cxnSp>
+      <p:sp>
+        <p:nvSpPr>
+          <p:cNvPr id="73" name="תיבת טקסט 72">
+            <a:extLst>
+              <a:ext uri="{FF2B5EF4-FFF2-40B4-BE49-F238E27FC236}">
+                <a16:creationId xmlns:a16="http://schemas.microsoft.com/office/drawing/2014/main" id="{1C9ABD1F-6C5A-45E5-9AF7-B0B1B17E1E4B}"/>
+              </a:ext>
+            </a:extLst>
+          </p:cNvPr>
+          <p:cNvSpPr txBox="1"/>
+          <p:nvPr/>
+        </p:nvSpPr>
+        <p:spPr>
+          <a:xfrm rot="490107">
+            <a:off x="9111297" y="5261796"/>
+            <a:ext cx="2321657" cy="307777"/>
+          </a:xfrm>
+          <a:prstGeom prst="rect">
+            <a:avLst/>
+          </a:prstGeom>
+          <a:noFill/>
+        </p:spPr>
+        <p:txBody>
+          <a:bodyPr wrap="square" rtlCol="0">
+            <a:spAutoFit/>
+          </a:bodyPr>
+          <a:lstStyle/>
+          <a:p>
+            <a:r>
+              <a:rPr lang="en-US" sz="1400" dirty="0"/>
+              <a:t>Border || Spike || Time over</a:t>
+            </a:r>
+            <a:endParaRPr lang="LID4096" sz="1400" dirty="0"/>
+          </a:p>
+        </p:txBody>
+      </p:sp>
+      <p:cxnSp>
+        <p:nvCxnSpPr>
+          <p:cNvPr id="74" name="מחבר: מעוקל 73">
+            <a:extLst>
+              <a:ext uri="{FF2B5EF4-FFF2-40B4-BE49-F238E27FC236}">
+                <a16:creationId xmlns:a16="http://schemas.microsoft.com/office/drawing/2014/main" id="{31C10363-DF1E-433E-9D75-706D79FE1625}"/>
+              </a:ext>
+            </a:extLst>
+          </p:cNvPr>
+          <p:cNvCxnSpPr>
+            <a:cxnSpLocks/>
+            <a:stCxn id="23" idx="7"/>
+            <a:endCxn id="29" idx="1"/>
+          </p:cNvCxnSpPr>
+          <p:nvPr/>
+        </p:nvCxnSpPr>
+        <p:spPr>
+          <a:xfrm rot="16200000" flipH="1">
+            <a:off x="9984739" y="1830642"/>
+            <a:ext cx="12701" cy="1939656"/>
+          </a:xfrm>
+          <a:prstGeom prst="curvedConnector3">
+            <a:avLst>
+              <a:gd name="adj1" fmla="val -3191985"/>
+            </a:avLst>
+          </a:prstGeom>
+          <a:ln>
+            <a:solidFill>
+              <a:schemeClr val="tx1"/>
+            </a:solidFill>
+            <a:tailEnd type="triangle"/>
+          </a:ln>
+        </p:spPr>
+        <p:style>
+          <a:lnRef idx="1">
+            <a:schemeClr val="accent1"/>
+          </a:lnRef>
+          <a:fillRef idx="0">
+            <a:schemeClr val="accent1"/>
+          </a:fillRef>
+          <a:effectRef idx="0">
+            <a:schemeClr val="accent1"/>
+          </a:effectRef>
+          <a:fontRef idx="minor">
+            <a:schemeClr val="tx1"/>
+          </a:fontRef>
+        </p:style>
+      </p:cxnSp>
+      <p:cxnSp>
+        <p:nvCxnSpPr>
+          <p:cNvPr id="79" name="מחבר: מעוקל 78">
+            <a:extLst>
+              <a:ext uri="{FF2B5EF4-FFF2-40B4-BE49-F238E27FC236}">
+                <a16:creationId xmlns:a16="http://schemas.microsoft.com/office/drawing/2014/main" id="{521445E2-D108-4775-AC54-98062ADA70E2}"/>
+              </a:ext>
+            </a:extLst>
+          </p:cNvPr>
+          <p:cNvCxnSpPr>
+            <a:cxnSpLocks/>
+            <a:stCxn id="21" idx="6"/>
+            <a:endCxn id="23" idx="0"/>
+          </p:cNvCxnSpPr>
+          <p:nvPr/>
+        </p:nvCxnSpPr>
+        <p:spPr>
+          <a:xfrm>
+            <a:off x="6664171" y="854649"/>
+            <a:ext cx="1955333" cy="1762657"/>
+          </a:xfrm>
+          <a:prstGeom prst="curvedConnector2">
+            <a:avLst/>
+          </a:prstGeom>
+          <a:ln>
+            <a:solidFill>
+              <a:schemeClr val="tx1"/>
+            </a:solidFill>
+            <a:tailEnd type="triangle"/>
+          </a:ln>
+        </p:spPr>
+        <p:style>
+          <a:lnRef idx="1">
+            <a:schemeClr val="accent1"/>
+          </a:lnRef>
+          <a:fillRef idx="0">
+            <a:schemeClr val="accent1"/>
+          </a:fillRef>
+          <a:effectRef idx="0">
+            <a:schemeClr val="accent1"/>
+          </a:effectRef>
+          <a:fontRef idx="minor">
+            <a:schemeClr val="tx1"/>
+          </a:fontRef>
+        </p:style>
+      </p:cxnSp>
+      <p:sp>
+        <p:nvSpPr>
+          <p:cNvPr id="83" name="תיבת טקסט 82">
+            <a:extLst>
+              <a:ext uri="{FF2B5EF4-FFF2-40B4-BE49-F238E27FC236}">
+                <a16:creationId xmlns:a16="http://schemas.microsoft.com/office/drawing/2014/main" id="{B4B44A29-4B98-4946-8081-D30ADF304742}"/>
+              </a:ext>
+            </a:extLst>
+          </p:cNvPr>
+          <p:cNvSpPr txBox="1"/>
+          <p:nvPr/>
+        </p:nvSpPr>
+        <p:spPr>
+          <a:xfrm rot="2139917">
+            <a:off x="7126109" y="1343971"/>
+            <a:ext cx="1880653" cy="523220"/>
+          </a:xfrm>
+          <a:prstGeom prst="rect">
+            <a:avLst/>
+          </a:prstGeom>
+          <a:noFill/>
+        </p:spPr>
+        <p:txBody>
+          <a:bodyPr wrap="square" rtlCol="0">
+            <a:spAutoFit/>
+          </a:bodyPr>
+          <a:lstStyle/>
+          <a:p>
+            <a:r>
+              <a:rPr lang="en-US" sz="1400" dirty="0"/>
+              <a:t>Left key &amp;&amp; Left Border</a:t>
+            </a:r>
+          </a:p>
+          <a:p>
+            <a:r>
+              <a:rPr lang="en-US" sz="1400" dirty="0"/>
+              <a:t>Right key</a:t>
+            </a:r>
+            <a:endParaRPr lang="LID4096" sz="1400" dirty="0"/>
+          </a:p>
+        </p:txBody>
+      </p:sp>
+      <p:cxnSp>
+        <p:nvCxnSpPr>
+          <p:cNvPr id="96" name="מחבר: מעוקל 95">
+            <a:extLst>
+              <a:ext uri="{FF2B5EF4-FFF2-40B4-BE49-F238E27FC236}">
+                <a16:creationId xmlns:a16="http://schemas.microsoft.com/office/drawing/2014/main" id="{90262662-3C7D-45DD-A511-A462AE2248D4}"/>
+              </a:ext>
+            </a:extLst>
+          </p:cNvPr>
+          <p:cNvCxnSpPr>
+            <a:cxnSpLocks/>
+            <a:stCxn id="23" idx="1"/>
+            <a:endCxn id="21" idx="5"/>
+          </p:cNvCxnSpPr>
+          <p:nvPr/>
+        </p:nvCxnSpPr>
+        <p:spPr>
+          <a:xfrm rot="16200000" flipV="1">
+            <a:off x="6601450" y="1177824"/>
+            <a:ext cx="1512604" cy="1719988"/>
+          </a:xfrm>
+          <a:prstGeom prst="curvedConnector3">
+            <a:avLst>
+              <a:gd name="adj1" fmla="val 50000"/>
+            </a:avLst>
+          </a:prstGeom>
+          <a:ln>
+            <a:solidFill>
+              <a:schemeClr val="tx1"/>
+            </a:solidFill>
+            <a:tailEnd type="triangle"/>
+          </a:ln>
+        </p:spPr>
+        <p:style>
+          <a:lnRef idx="1">
+            <a:schemeClr val="accent1"/>
+          </a:lnRef>
+          <a:fillRef idx="0">
+            <a:schemeClr val="accent1"/>
+          </a:fillRef>
+          <a:effectRef idx="0">
+            <a:schemeClr val="accent1"/>
+          </a:effectRef>
+          <a:fontRef idx="minor">
+            <a:schemeClr val="tx1"/>
+          </a:fontRef>
+        </p:style>
+      </p:cxnSp>
+      <p:sp>
+        <p:nvSpPr>
+          <p:cNvPr id="100" name="תיבת טקסט 99">
+            <a:extLst>
+              <a:ext uri="{FF2B5EF4-FFF2-40B4-BE49-F238E27FC236}">
+                <a16:creationId xmlns:a16="http://schemas.microsoft.com/office/drawing/2014/main" id="{FBA73A75-AFF2-4631-93F2-2F9376B32646}"/>
+              </a:ext>
+            </a:extLst>
+          </p:cNvPr>
+          <p:cNvSpPr txBox="1"/>
+          <p:nvPr/>
+        </p:nvSpPr>
+        <p:spPr>
+          <a:xfrm rot="1353191">
+            <a:off x="6285118" y="1748740"/>
+            <a:ext cx="2113589" cy="523220"/>
+          </a:xfrm>
+          <a:prstGeom prst="rect">
+            <a:avLst/>
+          </a:prstGeom>
+          <a:noFill/>
+        </p:spPr>
+        <p:txBody>
+          <a:bodyPr wrap="square" rtlCol="0">
+            <a:spAutoFit/>
+          </a:bodyPr>
+          <a:lstStyle/>
+          <a:p>
+            <a:r>
+              <a:rPr lang="en-US" sz="1400" dirty="0"/>
+              <a:t>Right key &amp;&amp; Right Border</a:t>
+            </a:r>
+          </a:p>
+          <a:p>
+            <a:r>
+              <a:rPr lang="en-US" sz="1400" dirty="0"/>
+              <a:t>Left key</a:t>
+            </a:r>
+            <a:endParaRPr lang="LID4096" sz="1400" dirty="0"/>
+          </a:p>
+        </p:txBody>
+      </p:sp>
+      <p:cxnSp>
+        <p:nvCxnSpPr>
+          <p:cNvPr id="101" name="מחבר: מעוקל 100">
+            <a:extLst>
+              <a:ext uri="{FF2B5EF4-FFF2-40B4-BE49-F238E27FC236}">
+                <a16:creationId xmlns:a16="http://schemas.microsoft.com/office/drawing/2014/main" id="{034F02BA-B3F9-4F62-8945-8A19528FC701}"/>
+              </a:ext>
+            </a:extLst>
+          </p:cNvPr>
+          <p:cNvCxnSpPr>
+            <a:cxnSpLocks/>
+            <a:endCxn id="27" idx="0"/>
+          </p:cNvCxnSpPr>
+          <p:nvPr/>
+        </p:nvCxnSpPr>
+        <p:spPr>
+          <a:xfrm rot="16200000" flipH="1">
+            <a:off x="4811062" y="2316368"/>
+            <a:ext cx="3779810" cy="1897521"/>
+          </a:xfrm>
+          <a:prstGeom prst="curvedConnector3">
+            <a:avLst>
+              <a:gd name="adj1" fmla="val 50000"/>
+            </a:avLst>
+          </a:prstGeom>
+          <a:ln>
+            <a:solidFill>
+              <a:schemeClr val="tx1"/>
+            </a:solidFill>
+            <a:tailEnd type="triangle"/>
+          </a:ln>
+        </p:spPr>
+        <p:style>
+          <a:lnRef idx="1">
+            <a:schemeClr val="accent1"/>
+          </a:lnRef>
+          <a:fillRef idx="0">
+            <a:schemeClr val="accent1"/>
+          </a:fillRef>
+          <a:effectRef idx="0">
+            <a:schemeClr val="accent1"/>
+          </a:effectRef>
+          <a:fontRef idx="minor">
+            <a:schemeClr val="tx1"/>
+          </a:fontRef>
+        </p:style>
+      </p:cxnSp>
+      <p:sp>
+        <p:nvSpPr>
+          <p:cNvPr id="107" name="תיבת טקסט 106">
+            <a:extLst>
+              <a:ext uri="{FF2B5EF4-FFF2-40B4-BE49-F238E27FC236}">
+                <a16:creationId xmlns:a16="http://schemas.microsoft.com/office/drawing/2014/main" id="{C94F1314-E13A-4417-8FCA-61FE65206990}"/>
+              </a:ext>
+            </a:extLst>
+          </p:cNvPr>
+          <p:cNvSpPr txBox="1"/>
+          <p:nvPr/>
+        </p:nvSpPr>
+        <p:spPr>
+          <a:xfrm rot="1552765">
+            <a:off x="6221906" y="2890284"/>
+            <a:ext cx="753907" cy="307777"/>
+          </a:xfrm>
+          <a:prstGeom prst="rect">
+            <a:avLst/>
+          </a:prstGeom>
+          <a:noFill/>
+        </p:spPr>
+        <p:txBody>
+          <a:bodyPr wrap="square" rtlCol="0">
+            <a:spAutoFit/>
+          </a:bodyPr>
+          <a:lstStyle/>
+          <a:p>
+            <a:r>
+              <a:rPr lang="en-US" sz="1400" dirty="0"/>
+              <a:t>Up key</a:t>
+            </a:r>
+            <a:endParaRPr lang="LID4096" sz="1400" dirty="0"/>
+          </a:p>
+        </p:txBody>
+      </p:sp>
+      <p:cxnSp>
+        <p:nvCxnSpPr>
+          <p:cNvPr id="108" name="מחבר: מעוקל 107">
+            <a:extLst>
+              <a:ext uri="{FF2B5EF4-FFF2-40B4-BE49-F238E27FC236}">
+                <a16:creationId xmlns:a16="http://schemas.microsoft.com/office/drawing/2014/main" id="{6BB44187-0051-476C-B6A9-3ED2AA323E33}"/>
+              </a:ext>
+            </a:extLst>
+          </p:cNvPr>
+          <p:cNvCxnSpPr>
+            <a:cxnSpLocks/>
+            <a:stCxn id="21" idx="3"/>
+            <a:endCxn id="19" idx="7"/>
+          </p:cNvCxnSpPr>
+          <p:nvPr/>
+        </p:nvCxnSpPr>
+        <p:spPr>
+          <a:xfrm rot="5400000">
+            <a:off x="4124575" y="1332865"/>
+            <a:ext cx="1621017" cy="1518319"/>
+          </a:xfrm>
+          <a:prstGeom prst="curvedConnector3">
+            <a:avLst>
+              <a:gd name="adj1" fmla="val 50000"/>
+            </a:avLst>
+          </a:prstGeom>
+          <a:ln>
+            <a:solidFill>
+              <a:schemeClr val="tx1"/>
+            </a:solidFill>
+            <a:tailEnd type="triangle"/>
+          </a:ln>
+        </p:spPr>
+        <p:style>
+          <a:lnRef idx="1">
+            <a:schemeClr val="accent1"/>
+          </a:lnRef>
+          <a:fillRef idx="0">
+            <a:schemeClr val="accent1"/>
+          </a:fillRef>
+          <a:effectRef idx="0">
+            <a:schemeClr val="accent1"/>
+          </a:effectRef>
+          <a:fontRef idx="minor">
+            <a:schemeClr val="tx1"/>
+          </a:fontRef>
+        </p:style>
+      </p:cxnSp>
+      <p:sp>
+        <p:nvSpPr>
+          <p:cNvPr id="112" name="תיבת טקסט 111">
+            <a:extLst>
+              <a:ext uri="{FF2B5EF4-FFF2-40B4-BE49-F238E27FC236}">
+                <a16:creationId xmlns:a16="http://schemas.microsoft.com/office/drawing/2014/main" id="{E2F9752D-2167-475C-B0CD-B8E14CBEF974}"/>
+              </a:ext>
+            </a:extLst>
+          </p:cNvPr>
+          <p:cNvSpPr txBox="1"/>
+          <p:nvPr/>
+        </p:nvSpPr>
+        <p:spPr>
+          <a:xfrm rot="18833322">
+            <a:off x="4492572" y="1759172"/>
+            <a:ext cx="1295895" cy="307777"/>
+          </a:xfrm>
+          <a:prstGeom prst="rect">
+            <a:avLst/>
+          </a:prstGeom>
+          <a:noFill/>
+        </p:spPr>
+        <p:txBody>
+          <a:bodyPr wrap="square" rtlCol="0">
+            <a:spAutoFit/>
+          </a:bodyPr>
+          <a:lstStyle/>
+          <a:p>
+            <a:r>
+              <a:rPr lang="en-US" sz="1400" dirty="0"/>
+              <a:t>No key pressed</a:t>
+            </a:r>
+            <a:endParaRPr lang="LID4096" sz="1400" dirty="0"/>
+          </a:p>
+        </p:txBody>
+      </p:sp>
+      <p:cxnSp>
+        <p:nvCxnSpPr>
+          <p:cNvPr id="113" name="מחבר: מעוקל 112">
+            <a:extLst>
+              <a:ext uri="{FF2B5EF4-FFF2-40B4-BE49-F238E27FC236}">
+                <a16:creationId xmlns:a16="http://schemas.microsoft.com/office/drawing/2014/main" id="{A34389A4-0FD8-410D-9171-F4CC3B1C41A6}"/>
+              </a:ext>
+            </a:extLst>
+          </p:cNvPr>
+          <p:cNvCxnSpPr>
+            <a:cxnSpLocks/>
+            <a:stCxn id="23" idx="4"/>
+            <a:endCxn id="27" idx="7"/>
+          </p:cNvCxnSpPr>
+          <p:nvPr/>
+        </p:nvCxnSpPr>
+        <p:spPr>
+          <a:xfrm rot="5400000">
+            <a:off x="7581906" y="4294249"/>
+            <a:ext cx="1507179" cy="568018"/>
+          </a:xfrm>
+          <a:prstGeom prst="curvedConnector3">
+            <a:avLst>
+              <a:gd name="adj1" fmla="val 50000"/>
+            </a:avLst>
+          </a:prstGeom>
+          <a:ln>
+            <a:solidFill>
+              <a:schemeClr val="tx1"/>
+            </a:solidFill>
+            <a:tailEnd type="triangle"/>
+          </a:ln>
+        </p:spPr>
+        <p:style>
+          <a:lnRef idx="1">
+            <a:schemeClr val="accent1"/>
+          </a:lnRef>
+          <a:fillRef idx="0">
+            <a:schemeClr val="accent1"/>
+          </a:fillRef>
+          <a:effectRef idx="0">
+            <a:schemeClr val="accent1"/>
+          </a:effectRef>
+          <a:fontRef idx="minor">
+            <a:schemeClr val="tx1"/>
+          </a:fontRef>
+        </p:style>
+      </p:cxnSp>
+      <p:sp>
+        <p:nvSpPr>
+          <p:cNvPr id="117" name="תיבת טקסט 116">
+            <a:extLst>
+              <a:ext uri="{FF2B5EF4-FFF2-40B4-BE49-F238E27FC236}">
+                <a16:creationId xmlns:a16="http://schemas.microsoft.com/office/drawing/2014/main" id="{BE3CAC10-A1CE-4CEA-9F1C-ADA31A2788B7}"/>
+              </a:ext>
+            </a:extLst>
+          </p:cNvPr>
+          <p:cNvSpPr txBox="1"/>
+          <p:nvPr/>
+        </p:nvSpPr>
+        <p:spPr>
+          <a:xfrm rot="17959692">
+            <a:off x="7989603" y="4358810"/>
+            <a:ext cx="753907" cy="307777"/>
+          </a:xfrm>
+          <a:prstGeom prst="rect">
+            <a:avLst/>
+          </a:prstGeom>
+          <a:noFill/>
+        </p:spPr>
+        <p:txBody>
+          <a:bodyPr wrap="square" rtlCol="0">
+            <a:spAutoFit/>
+          </a:bodyPr>
+          <a:lstStyle/>
+          <a:p>
+            <a:r>
+              <a:rPr lang="en-US" sz="1400" dirty="0"/>
+              <a:t>Up key</a:t>
+            </a:r>
+            <a:endParaRPr lang="LID4096" sz="1400" dirty="0"/>
+          </a:p>
+        </p:txBody>
+      </p:sp>
+      <p:cxnSp>
+        <p:nvCxnSpPr>
+          <p:cNvPr id="118" name="מחבר: מעוקל 117">
+            <a:extLst>
+              <a:ext uri="{FF2B5EF4-FFF2-40B4-BE49-F238E27FC236}">
+                <a16:creationId xmlns:a16="http://schemas.microsoft.com/office/drawing/2014/main" id="{5123CEB5-D0BC-4968-BDD0-168DE752C753}"/>
+              </a:ext>
+            </a:extLst>
+          </p:cNvPr>
+          <p:cNvCxnSpPr>
+            <a:cxnSpLocks/>
+            <a:stCxn id="23" idx="3"/>
+            <a:endCxn id="19" idx="6"/>
+          </p:cNvCxnSpPr>
+          <p:nvPr/>
+        </p:nvCxnSpPr>
+        <p:spPr>
+          <a:xfrm rot="5400000" flipH="1">
+            <a:off x="6120814" y="1550923"/>
+            <a:ext cx="318454" cy="3875410"/>
+          </a:xfrm>
+          <a:prstGeom prst="curvedConnector4">
+            <a:avLst>
+              <a:gd name="adj1" fmla="val -71784"/>
+              <a:gd name="adj2" fmla="val 52147"/>
+            </a:avLst>
+          </a:prstGeom>
+          <a:ln>
+            <a:solidFill>
+              <a:schemeClr val="tx1"/>
+            </a:solidFill>
+            <a:tailEnd type="triangle"/>
+          </a:ln>
+        </p:spPr>
+        <p:style>
+          <a:lnRef idx="1">
+            <a:schemeClr val="accent1"/>
+          </a:lnRef>
+          <a:fillRef idx="0">
+            <a:schemeClr val="accent1"/>
+          </a:fillRef>
+          <a:effectRef idx="0">
+            <a:schemeClr val="accent1"/>
+          </a:effectRef>
+          <a:fontRef idx="minor">
+            <a:schemeClr val="tx1"/>
+          </a:fontRef>
+        </p:style>
+      </p:cxnSp>
+      <p:sp>
+        <p:nvSpPr>
+          <p:cNvPr id="122" name="תיבת טקסט 121">
+            <a:extLst>
+              <a:ext uri="{FF2B5EF4-FFF2-40B4-BE49-F238E27FC236}">
+                <a16:creationId xmlns:a16="http://schemas.microsoft.com/office/drawing/2014/main" id="{412DC08A-2575-4FAE-B5A6-27A3D88A52BC}"/>
+              </a:ext>
+            </a:extLst>
+          </p:cNvPr>
+          <p:cNvSpPr txBox="1"/>
+          <p:nvPr/>
+        </p:nvSpPr>
+        <p:spPr>
+          <a:xfrm rot="939605">
+            <a:off x="5323576" y="3211935"/>
+            <a:ext cx="1295895" cy="307777"/>
+          </a:xfrm>
+          <a:prstGeom prst="rect">
+            <a:avLst/>
+          </a:prstGeom>
+          <a:noFill/>
+        </p:spPr>
+        <p:txBody>
+          <a:bodyPr wrap="square" rtlCol="0">
+            <a:spAutoFit/>
+          </a:bodyPr>
+          <a:lstStyle/>
+          <a:p>
+            <a:r>
+              <a:rPr lang="en-US" sz="1400" dirty="0"/>
+              <a:t>No key pressed</a:t>
+            </a:r>
+            <a:endParaRPr lang="LID4096" sz="1400" dirty="0"/>
+          </a:p>
+        </p:txBody>
+      </p:sp>
+      <p:cxnSp>
+        <p:nvCxnSpPr>
+          <p:cNvPr id="123" name="מחבר: מעוקל 122">
+            <a:extLst>
+              <a:ext uri="{FF2B5EF4-FFF2-40B4-BE49-F238E27FC236}">
+                <a16:creationId xmlns:a16="http://schemas.microsoft.com/office/drawing/2014/main" id="{15978D15-3266-4648-A2F0-3C5FE5CF5976}"/>
+              </a:ext>
+            </a:extLst>
+          </p:cNvPr>
+          <p:cNvCxnSpPr>
+            <a:cxnSpLocks/>
+            <a:stCxn id="25" idx="7"/>
+            <a:endCxn id="27" idx="1"/>
+          </p:cNvCxnSpPr>
+          <p:nvPr/>
+        </p:nvCxnSpPr>
+        <p:spPr>
+          <a:xfrm rot="5400000" flipH="1" flipV="1">
+            <a:off x="6195046" y="4278925"/>
+            <a:ext cx="12700" cy="2105847"/>
+          </a:xfrm>
+          <a:prstGeom prst="curvedConnector3">
+            <a:avLst>
+              <a:gd name="adj1" fmla="val 3192236"/>
+            </a:avLst>
+          </a:prstGeom>
+          <a:ln>
+            <a:solidFill>
+              <a:schemeClr val="tx1"/>
+            </a:solidFill>
+            <a:tailEnd type="triangle"/>
+          </a:ln>
+        </p:spPr>
+        <p:style>
+          <a:lnRef idx="1">
+            <a:schemeClr val="accent1"/>
+          </a:lnRef>
+          <a:fillRef idx="0">
+            <a:schemeClr val="accent1"/>
+          </a:fillRef>
+          <a:effectRef idx="0">
+            <a:schemeClr val="accent1"/>
+          </a:effectRef>
+          <a:fontRef idx="minor">
+            <a:schemeClr val="tx1"/>
+          </a:fontRef>
+        </p:style>
+      </p:cxnSp>
+      <p:cxnSp>
+        <p:nvCxnSpPr>
+          <p:cNvPr id="126" name="מחבר: מעוקל 125">
+            <a:extLst>
+              <a:ext uri="{FF2B5EF4-FFF2-40B4-BE49-F238E27FC236}">
+                <a16:creationId xmlns:a16="http://schemas.microsoft.com/office/drawing/2014/main" id="{4AD3D09F-4602-47E5-95FC-5C87594F7175}"/>
+              </a:ext>
+            </a:extLst>
+          </p:cNvPr>
+          <p:cNvCxnSpPr>
+            <a:cxnSpLocks/>
+            <a:endCxn id="23" idx="2"/>
+          </p:cNvCxnSpPr>
+          <p:nvPr/>
+        </p:nvCxnSpPr>
+        <p:spPr>
+          <a:xfrm flipV="1">
+            <a:off x="4753553" y="3220988"/>
+            <a:ext cx="3297780" cy="1919242"/>
+          </a:xfrm>
+          <a:prstGeom prst="curvedConnector3">
+            <a:avLst>
+              <a:gd name="adj1" fmla="val 50000"/>
+            </a:avLst>
+          </a:prstGeom>
+          <a:ln>
+            <a:solidFill>
+              <a:schemeClr val="tx1"/>
+            </a:solidFill>
+            <a:tailEnd type="triangle"/>
+          </a:ln>
+        </p:spPr>
+        <p:style>
+          <a:lnRef idx="1">
+            <a:schemeClr val="accent1"/>
+          </a:lnRef>
+          <a:fillRef idx="0">
+            <a:schemeClr val="accent1"/>
+          </a:fillRef>
+          <a:effectRef idx="0">
+            <a:schemeClr val="accent1"/>
+          </a:effectRef>
+          <a:fontRef idx="minor">
+            <a:schemeClr val="tx1"/>
+          </a:fontRef>
+        </p:style>
+      </p:cxnSp>
+      <p:cxnSp>
+        <p:nvCxnSpPr>
+          <p:cNvPr id="128" name="מחבר: מעוקל 127">
+            <a:extLst>
+              <a:ext uri="{FF2B5EF4-FFF2-40B4-BE49-F238E27FC236}">
+                <a16:creationId xmlns:a16="http://schemas.microsoft.com/office/drawing/2014/main" id="{A3309C00-E976-4F83-A69C-DE7625B2DF25}"/>
+              </a:ext>
+            </a:extLst>
+          </p:cNvPr>
+          <p:cNvCxnSpPr>
+            <a:cxnSpLocks/>
+            <a:stCxn id="27" idx="2"/>
+            <a:endCxn id="25" idx="6"/>
+          </p:cNvCxnSpPr>
+          <p:nvPr/>
+        </p:nvCxnSpPr>
+        <p:spPr>
+          <a:xfrm rot="10800000">
+            <a:off x="5308537" y="5758716"/>
+            <a:ext cx="1773021" cy="12700"/>
+          </a:xfrm>
+          <a:prstGeom prst="curvedConnector3">
+            <a:avLst>
+              <a:gd name="adj1" fmla="val 50000"/>
+            </a:avLst>
+          </a:prstGeom>
+          <a:ln>
+            <a:solidFill>
+              <a:schemeClr val="tx1"/>
+            </a:solidFill>
+            <a:tailEnd type="triangle"/>
+          </a:ln>
+        </p:spPr>
+        <p:style>
+          <a:lnRef idx="1">
+            <a:schemeClr val="accent1"/>
+          </a:lnRef>
+          <a:fillRef idx="0">
+            <a:schemeClr val="accent1"/>
+          </a:fillRef>
+          <a:effectRef idx="0">
+            <a:schemeClr val="accent1"/>
+          </a:effectRef>
+          <a:fontRef idx="minor">
+            <a:schemeClr val="tx1"/>
+          </a:fontRef>
+        </p:style>
+      </p:cxnSp>
+      <p:sp>
+        <p:nvSpPr>
+          <p:cNvPr id="135" name="תיבת טקסט 134">
+            <a:extLst>
+              <a:ext uri="{FF2B5EF4-FFF2-40B4-BE49-F238E27FC236}">
+                <a16:creationId xmlns:a16="http://schemas.microsoft.com/office/drawing/2014/main" id="{8B35EF67-8228-40AB-BC8C-6A571DB139BF}"/>
+              </a:ext>
+            </a:extLst>
+          </p:cNvPr>
+          <p:cNvSpPr txBox="1"/>
+          <p:nvPr/>
+        </p:nvSpPr>
+        <p:spPr>
+          <a:xfrm>
+            <a:off x="5292308" y="5440036"/>
+            <a:ext cx="2005865" cy="307777"/>
+          </a:xfrm>
+          <a:prstGeom prst="rect">
+            <a:avLst/>
+          </a:prstGeom>
+          <a:noFill/>
+        </p:spPr>
+        <p:txBody>
+          <a:bodyPr wrap="square" rtlCol="0">
+            <a:spAutoFit/>
+          </a:bodyPr>
+          <a:lstStyle/>
+          <a:p>
+            <a:r>
+              <a:rPr lang="en-US" sz="1400" dirty="0"/>
+              <a:t>Down key || Border Up</a:t>
+            </a:r>
+            <a:endParaRPr lang="LID4096" sz="1400" dirty="0"/>
+          </a:p>
+        </p:txBody>
+      </p:sp>
+      <p:cxnSp>
+        <p:nvCxnSpPr>
+          <p:cNvPr id="136" name="מחבר: מעוקל 135">
+            <a:extLst>
+              <a:ext uri="{FF2B5EF4-FFF2-40B4-BE49-F238E27FC236}">
+                <a16:creationId xmlns:a16="http://schemas.microsoft.com/office/drawing/2014/main" id="{A2320FD7-B742-433A-89CC-D1E7F9F8AE96}"/>
+              </a:ext>
+            </a:extLst>
+          </p:cNvPr>
+          <p:cNvCxnSpPr>
+            <a:cxnSpLocks/>
+            <a:endCxn id="21" idx="3"/>
+          </p:cNvCxnSpPr>
+          <p:nvPr/>
+        </p:nvCxnSpPr>
+        <p:spPr>
+          <a:xfrm rot="5400000" flipH="1" flipV="1">
+            <a:off x="2895116" y="2616558"/>
+            <a:ext cx="4134168" cy="1464084"/>
+          </a:xfrm>
+          <a:prstGeom prst="curvedConnector3">
+            <a:avLst>
+              <a:gd name="adj1" fmla="val 50000"/>
+            </a:avLst>
+          </a:prstGeom>
+          <a:ln>
+            <a:solidFill>
+              <a:schemeClr val="tx1"/>
+            </a:solidFill>
+            <a:tailEnd type="triangle"/>
+          </a:ln>
+        </p:spPr>
+        <p:style>
+          <a:lnRef idx="1">
+            <a:schemeClr val="accent1"/>
+          </a:lnRef>
+          <a:fillRef idx="0">
+            <a:schemeClr val="accent1"/>
+          </a:fillRef>
+          <a:effectRef idx="0">
+            <a:schemeClr val="accent1"/>
+          </a:effectRef>
+          <a:fontRef idx="minor">
+            <a:schemeClr val="tx1"/>
+          </a:fontRef>
+        </p:style>
+      </p:cxnSp>
+      <p:sp>
+        <p:nvSpPr>
+          <p:cNvPr id="139" name="תיבת טקסט 138">
+            <a:extLst>
+              <a:ext uri="{FF2B5EF4-FFF2-40B4-BE49-F238E27FC236}">
+                <a16:creationId xmlns:a16="http://schemas.microsoft.com/office/drawing/2014/main" id="{D8CBA14A-18D6-4E21-A2E5-332EFC98D294}"/>
+              </a:ext>
+            </a:extLst>
+          </p:cNvPr>
+          <p:cNvSpPr txBox="1"/>
+          <p:nvPr/>
+        </p:nvSpPr>
+        <p:spPr>
+          <a:xfrm rot="16800151">
+            <a:off x="3720695" y="4819226"/>
+            <a:ext cx="753633" cy="307777"/>
+          </a:xfrm>
+          <a:prstGeom prst="rect">
+            <a:avLst/>
+          </a:prstGeom>
+          <a:noFill/>
+        </p:spPr>
+        <p:txBody>
+          <a:bodyPr wrap="square" rtlCol="0">
+            <a:spAutoFit/>
+          </a:bodyPr>
+          <a:lstStyle/>
+          <a:p>
+            <a:r>
+              <a:rPr lang="en-US" sz="1400" dirty="0"/>
+              <a:t>Left key</a:t>
+            </a:r>
+            <a:endParaRPr lang="LID4096" sz="1400" dirty="0"/>
+          </a:p>
+        </p:txBody>
+      </p:sp>
+      <p:cxnSp>
+        <p:nvCxnSpPr>
+          <p:cNvPr id="141" name="מחבר: מעוקל 140">
+            <a:extLst>
+              <a:ext uri="{FF2B5EF4-FFF2-40B4-BE49-F238E27FC236}">
+                <a16:creationId xmlns:a16="http://schemas.microsoft.com/office/drawing/2014/main" id="{26838142-4ACC-421A-8880-4BFE539C33B4}"/>
+              </a:ext>
+            </a:extLst>
+          </p:cNvPr>
+          <p:cNvCxnSpPr>
+            <a:cxnSpLocks/>
+            <a:stCxn id="27" idx="6"/>
+            <a:endCxn id="23" idx="5"/>
+          </p:cNvCxnSpPr>
+          <p:nvPr/>
+        </p:nvCxnSpPr>
+        <p:spPr>
+          <a:xfrm flipV="1">
+            <a:off x="8217899" y="3647855"/>
+            <a:ext cx="803363" cy="2110861"/>
+          </a:xfrm>
+          <a:prstGeom prst="curvedConnector2">
+            <a:avLst/>
+          </a:prstGeom>
+          <a:ln>
+            <a:solidFill>
+              <a:schemeClr val="tx1"/>
+            </a:solidFill>
+            <a:tailEnd type="triangle"/>
+          </a:ln>
+        </p:spPr>
+        <p:style>
+          <a:lnRef idx="1">
+            <a:schemeClr val="accent1"/>
+          </a:lnRef>
+          <a:fillRef idx="0">
+            <a:schemeClr val="accent1"/>
+          </a:fillRef>
+          <a:effectRef idx="0">
+            <a:schemeClr val="accent1"/>
+          </a:effectRef>
+          <a:fontRef idx="minor">
+            <a:schemeClr val="tx1"/>
+          </a:fontRef>
+        </p:style>
+      </p:cxnSp>
+      <p:sp>
+        <p:nvSpPr>
+          <p:cNvPr id="145" name="תיבת טקסט 144">
+            <a:extLst>
+              <a:ext uri="{FF2B5EF4-FFF2-40B4-BE49-F238E27FC236}">
+                <a16:creationId xmlns:a16="http://schemas.microsoft.com/office/drawing/2014/main" id="{88216906-DC4E-471D-931D-BE910756D91A}"/>
+              </a:ext>
+            </a:extLst>
+          </p:cNvPr>
+          <p:cNvSpPr txBox="1"/>
+          <p:nvPr/>
+        </p:nvSpPr>
+        <p:spPr>
+          <a:xfrm rot="18068538">
+            <a:off x="8482358" y="4508132"/>
+            <a:ext cx="862858" cy="307777"/>
+          </a:xfrm>
+          <a:prstGeom prst="rect">
+            <a:avLst/>
+          </a:prstGeom>
+          <a:noFill/>
+        </p:spPr>
+        <p:txBody>
+          <a:bodyPr wrap="square" rtlCol="0">
+            <a:spAutoFit/>
+          </a:bodyPr>
+          <a:lstStyle/>
+          <a:p>
+            <a:r>
+              <a:rPr lang="en-US" sz="1400" dirty="0"/>
+              <a:t>Right key</a:t>
+            </a:r>
+            <a:endParaRPr lang="LID4096" sz="1400" dirty="0"/>
+          </a:p>
+        </p:txBody>
+      </p:sp>
+      <p:cxnSp>
+        <p:nvCxnSpPr>
+          <p:cNvPr id="148" name="מחבר: מעוקל 147">
+            <a:extLst>
+              <a:ext uri="{FF2B5EF4-FFF2-40B4-BE49-F238E27FC236}">
+                <a16:creationId xmlns:a16="http://schemas.microsoft.com/office/drawing/2014/main" id="{0207441D-0F5D-4E60-8DDB-EE946B9EFF45}"/>
+              </a:ext>
+            </a:extLst>
+          </p:cNvPr>
+          <p:cNvCxnSpPr>
+            <a:cxnSpLocks/>
+            <a:endCxn id="21" idx="6"/>
+          </p:cNvCxnSpPr>
+          <p:nvPr/>
+        </p:nvCxnSpPr>
+        <p:spPr>
+          <a:xfrm rot="16200000" flipV="1">
+            <a:off x="5038767" y="2480053"/>
+            <a:ext cx="4276378" cy="1025569"/>
+          </a:xfrm>
+          <a:prstGeom prst="curvedConnector2">
+            <a:avLst/>
+          </a:prstGeom>
+          <a:ln>
+            <a:solidFill>
+              <a:schemeClr val="tx1"/>
+            </a:solidFill>
+            <a:tailEnd type="triangle"/>
+          </a:ln>
+        </p:spPr>
+        <p:style>
+          <a:lnRef idx="1">
+            <a:schemeClr val="accent1"/>
+          </a:lnRef>
+          <a:fillRef idx="0">
+            <a:schemeClr val="accent1"/>
+          </a:fillRef>
+          <a:effectRef idx="0">
+            <a:schemeClr val="accent1"/>
+          </a:effectRef>
+          <a:fontRef idx="minor">
+            <a:schemeClr val="tx1"/>
+          </a:fontRef>
+        </p:style>
+      </p:cxnSp>
+      <p:sp>
+        <p:nvSpPr>
+          <p:cNvPr id="151" name="תיבת טקסט 150">
+            <a:extLst>
+              <a:ext uri="{FF2B5EF4-FFF2-40B4-BE49-F238E27FC236}">
+                <a16:creationId xmlns:a16="http://schemas.microsoft.com/office/drawing/2014/main" id="{6539D0CD-5E5D-4A31-9CFE-EE5BA4043701}"/>
+              </a:ext>
+            </a:extLst>
+          </p:cNvPr>
+          <p:cNvSpPr txBox="1"/>
+          <p:nvPr/>
+        </p:nvSpPr>
+        <p:spPr>
+          <a:xfrm rot="4159295">
+            <a:off x="6990695" y="2734762"/>
+            <a:ext cx="780782" cy="307777"/>
+          </a:xfrm>
+          <a:prstGeom prst="rect">
+            <a:avLst/>
+          </a:prstGeom>
+          <a:noFill/>
+        </p:spPr>
+        <p:txBody>
+          <a:bodyPr wrap="square" rtlCol="0">
+            <a:spAutoFit/>
+          </a:bodyPr>
+          <a:lstStyle/>
+          <a:p>
+            <a:r>
+              <a:rPr lang="en-US" sz="1400" dirty="0"/>
+              <a:t>Left key</a:t>
+            </a:r>
+            <a:endParaRPr lang="LID4096" sz="1400" dirty="0"/>
+          </a:p>
+        </p:txBody>
+      </p:sp>
+      <p:cxnSp>
+        <p:nvCxnSpPr>
+          <p:cNvPr id="152" name="מחבר: מעוקל 151">
+            <a:extLst>
+              <a:ext uri="{FF2B5EF4-FFF2-40B4-BE49-F238E27FC236}">
+                <a16:creationId xmlns:a16="http://schemas.microsoft.com/office/drawing/2014/main" id="{E49F4676-9A76-49BF-AB9C-E97AF1749196}"/>
+              </a:ext>
+            </a:extLst>
+          </p:cNvPr>
+          <p:cNvCxnSpPr>
+            <a:cxnSpLocks/>
+            <a:stCxn id="25" idx="2"/>
+            <a:endCxn id="19" idx="3"/>
+          </p:cNvCxnSpPr>
+          <p:nvPr/>
+        </p:nvCxnSpPr>
+        <p:spPr>
+          <a:xfrm rot="10800000">
+            <a:off x="3372408" y="3756268"/>
+            <a:ext cx="799787" cy="2002448"/>
+          </a:xfrm>
+          <a:prstGeom prst="curvedConnector2">
+            <a:avLst/>
+          </a:prstGeom>
+          <a:ln>
+            <a:solidFill>
+              <a:schemeClr val="tx1"/>
+            </a:solidFill>
+            <a:tailEnd type="triangle"/>
+          </a:ln>
+        </p:spPr>
+        <p:style>
+          <a:lnRef idx="1">
+            <a:schemeClr val="accent1"/>
+          </a:lnRef>
+          <a:fillRef idx="0">
+            <a:schemeClr val="accent1"/>
+          </a:fillRef>
+          <a:effectRef idx="0">
+            <a:schemeClr val="accent1"/>
+          </a:effectRef>
+          <a:fontRef idx="minor">
+            <a:schemeClr val="tx1"/>
+          </a:fontRef>
+        </p:style>
+      </p:cxnSp>
+      <p:sp>
+        <p:nvSpPr>
+          <p:cNvPr id="156" name="תיבת טקסט 155">
+            <a:extLst>
+              <a:ext uri="{FF2B5EF4-FFF2-40B4-BE49-F238E27FC236}">
+                <a16:creationId xmlns:a16="http://schemas.microsoft.com/office/drawing/2014/main" id="{271C5181-1058-4850-9B95-4797A269B9D2}"/>
+              </a:ext>
+            </a:extLst>
+          </p:cNvPr>
+          <p:cNvSpPr txBox="1"/>
+          <p:nvPr/>
+        </p:nvSpPr>
+        <p:spPr>
+          <a:xfrm rot="4260460">
+            <a:off x="2683719" y="4707678"/>
+            <a:ext cx="1295895" cy="307777"/>
+          </a:xfrm>
+          <a:prstGeom prst="rect">
+            <a:avLst/>
+          </a:prstGeom>
+          <a:noFill/>
+        </p:spPr>
+        <p:txBody>
+          <a:bodyPr wrap="square" rtlCol="0">
+            <a:spAutoFit/>
+          </a:bodyPr>
+          <a:lstStyle/>
+          <a:p>
+            <a:r>
+              <a:rPr lang="en-US" sz="1400" dirty="0"/>
+              <a:t>No key pressed</a:t>
+            </a:r>
+            <a:endParaRPr lang="LID4096" sz="1400" dirty="0"/>
+          </a:p>
+        </p:txBody>
+      </p:sp>
+    </p:spTree>
+    <p:extLst>
+      <p:ext uri="{BB962C8B-B14F-4D97-AF65-F5344CB8AC3E}">
+        <p14:creationId xmlns:p14="http://schemas.microsoft.com/office/powerpoint/2010/main" val="3345649053"/>
+      </p:ext>
+    </p:extLst>
+  </p:cSld>
+  <p:clrMapOvr>
+    <a:masterClrMapping/>
+  </p:clrMapOvr>
+</p:sld>
+</file>
+
+<file path=ppt/slides/slide7.xml><?xml version="1.0" encoding="utf-8"?>
 <p:sld xmlns:a="http://schemas.openxmlformats.org/drawingml/2006/main" xmlns:r="http://schemas.openxmlformats.org/officeDocument/2006/relationships" xmlns:p="http://schemas.openxmlformats.org/presentationml/2006/main">
   <p:cSld>
     <p:spTree>
@@ -14170,12 +16624,9 @@
 </file>
 
 <file path=customXml/item1.xml><?xml version="1.0" encoding="utf-8"?>
-<?mso-contentType ?>
-<FormTemplates xmlns="http://schemas.microsoft.com/sharepoint/v3/contenttype/forms">
-  <Display>DocumentLibraryForm</Display>
-  <Edit>DocumentLibraryForm</Edit>
-  <New>DocumentLibraryForm</New>
-</FormTemplates>
+<p:properties xmlns:p="http://schemas.microsoft.com/office/2006/metadata/properties" xmlns:xsi="http://www.w3.org/2001/XMLSchema-instance" xmlns:pc="http://schemas.microsoft.com/office/infopath/2007/PartnerControls">
+  <documentManagement/>
+</p:properties>
 </file>
 
 <file path=customXml/item2.xml><?xml version="1.0" encoding="utf-8"?>
@@ -14311,15 +16762,26 @@
 </file>
 
 <file path=customXml/item3.xml><?xml version="1.0" encoding="utf-8"?>
-<p:properties xmlns:p="http://schemas.microsoft.com/office/2006/metadata/properties" xmlns:xsi="http://www.w3.org/2001/XMLSchema-instance" xmlns:pc="http://schemas.microsoft.com/office/infopath/2007/PartnerControls">
-  <documentManagement/>
-</p:properties>
+<?mso-contentType ?>
+<FormTemplates xmlns="http://schemas.microsoft.com/sharepoint/v3/contenttype/forms">
+  <Display>DocumentLibraryForm</Display>
+  <Edit>DocumentLibraryForm</Edit>
+  <New>DocumentLibraryForm</New>
+</FormTemplates>
 </file>
 
 <file path=customXml/itemProps1.xml><?xml version="1.0" encoding="utf-8"?>
-<ds:datastoreItem xmlns:ds="http://schemas.openxmlformats.org/officeDocument/2006/customXml" ds:itemID="{0415F3F4-12E4-4841-9E19-D62AC644724D}">
+<ds:datastoreItem xmlns:ds="http://schemas.openxmlformats.org/officeDocument/2006/customXml" ds:itemID="{A501A011-D727-4E49-8108-9474F5A90EA9}">
   <ds:schemaRefs>
-    <ds:schemaRef ds:uri="http://schemas.microsoft.com/sharepoint/v3/contenttype/forms"/>
+    <ds:schemaRef ds:uri="http://purl.org/dc/elements/1.1/"/>
+    <ds:schemaRef ds:uri="http://schemas.microsoft.com/office/2006/metadata/properties"/>
+    <ds:schemaRef ds:uri="cbbd1458-d63e-4a1d-8ac0-715ba4af8b8a"/>
+    <ds:schemaRef ds:uri="http://purl.org/dc/terms/"/>
+    <ds:schemaRef ds:uri="http://schemas.openxmlformats.org/package/2006/metadata/core-properties"/>
+    <ds:schemaRef ds:uri="http://schemas.microsoft.com/office/2006/documentManagement/types"/>
+    <ds:schemaRef ds:uri="http://schemas.microsoft.com/office/infopath/2007/PartnerControls"/>
+    <ds:schemaRef ds:uri="http://www.w3.org/XML/1998/namespace"/>
+    <ds:schemaRef ds:uri="http://purl.org/dc/dcmitype/"/>
   </ds:schemaRefs>
 </ds:datastoreItem>
 </file>
@@ -14343,17 +16805,9 @@
 </file>
 
 <file path=customXml/itemProps3.xml><?xml version="1.0" encoding="utf-8"?>
-<ds:datastoreItem xmlns:ds="http://schemas.openxmlformats.org/officeDocument/2006/customXml" ds:itemID="{A501A011-D727-4E49-8108-9474F5A90EA9}">
+<ds:datastoreItem xmlns:ds="http://schemas.openxmlformats.org/officeDocument/2006/customXml" ds:itemID="{0415F3F4-12E4-4841-9E19-D62AC644724D}">
   <ds:schemaRefs>
-    <ds:schemaRef ds:uri="http://purl.org/dc/elements/1.1/"/>
-    <ds:schemaRef ds:uri="http://schemas.microsoft.com/office/2006/metadata/properties"/>
-    <ds:schemaRef ds:uri="cbbd1458-d63e-4a1d-8ac0-715ba4af8b8a"/>
-    <ds:schemaRef ds:uri="http://purl.org/dc/terms/"/>
-    <ds:schemaRef ds:uri="http://schemas.openxmlformats.org/package/2006/metadata/core-properties"/>
-    <ds:schemaRef ds:uri="http://schemas.microsoft.com/office/2006/documentManagement/types"/>
-    <ds:schemaRef ds:uri="http://schemas.microsoft.com/office/infopath/2007/PartnerControls"/>
-    <ds:schemaRef ds:uri="http://www.w3.org/XML/1998/namespace"/>
-    <ds:schemaRef ds:uri="http://purl.org/dc/dcmitype/"/>
+    <ds:schemaRef ds:uri="http://schemas.microsoft.com/sharepoint/v3/contenttype/forms"/>
   </ds:schemaRefs>
 </ds:datastoreItem>
 </file>
--- a/lab_project.pptx
+++ b/lab_project.pptx
@@ -11,7 +11,8 @@
     <p:sldId id="259" r:id="rId8"/>
     <p:sldId id="260" r:id="rId9"/>
     <p:sldId id="262" r:id="rId10"/>
-    <p:sldId id="261" r:id="rId11"/>
+    <p:sldId id="263" r:id="rId11"/>
+    <p:sldId id="261" r:id="rId12"/>
   </p:sldIdLst>
   <p:sldSz cx="12192000" cy="6858000"/>
   <p:notesSz cx="6858000" cy="9144000"/>
@@ -15827,6 +15828,36 @@
           <a:chExt cx="0" cy="0"/>
         </a:xfrm>
       </p:grpSpPr>
+    </p:spTree>
+    <p:extLst>
+      <p:ext uri="{BB962C8B-B14F-4D97-AF65-F5344CB8AC3E}">
+        <p14:creationId xmlns:p14="http://schemas.microsoft.com/office/powerpoint/2010/main" val="819122931"/>
+      </p:ext>
+    </p:extLst>
+  </p:cSld>
+  <p:clrMapOvr>
+    <a:masterClrMapping/>
+  </p:clrMapOvr>
+</p:sld>
+</file>
+
+<file path=ppt/slides/slide8.xml><?xml version="1.0" encoding="utf-8"?>
+<p:sld xmlns:a="http://schemas.openxmlformats.org/drawingml/2006/main" xmlns:r="http://schemas.openxmlformats.org/officeDocument/2006/relationships" xmlns:p="http://schemas.openxmlformats.org/presentationml/2006/main">
+  <p:cSld>
+    <p:spTree>
+      <p:nvGrpSpPr>
+        <p:cNvPr id="1" name=""/>
+        <p:cNvGrpSpPr/>
+        <p:nvPr/>
+      </p:nvGrpSpPr>
+      <p:grpSpPr>
+        <a:xfrm>
+          <a:off x="0" y="0"/>
+          <a:ext cx="0" cy="0"/>
+          <a:chOff x="0" y="0"/>
+          <a:chExt cx="0" cy="0"/>
+        </a:xfrm>
+      </p:grpSpPr>
       <p:sp>
         <p:nvSpPr>
           <p:cNvPr id="2" name="Rectangle 1">

--- a/lab_project.pptx
+++ b/lab_project.pptx
@@ -1446,7 +1446,7 @@
           <a:p>
             <a:fld id="{72345051-2045-45DA-935E-2E3CA1A69ADC}" type="datetimeFigureOut">
               <a:rPr lang="en-US" smtClean="0"/>
-              <a:t>9/1/2020</a:t>
+              <a:t>9/13/2020</a:t>
             </a:fld>
             <a:endParaRPr lang="en-US" dirty="0"/>
           </a:p>
@@ -1644,7 +1644,7 @@
           <a:p>
             <a:fld id="{72345051-2045-45DA-935E-2E3CA1A69ADC}" type="datetimeFigureOut">
               <a:rPr lang="en-US" smtClean="0"/>
-              <a:t>9/1/2020</a:t>
+              <a:t>9/13/2020</a:t>
             </a:fld>
             <a:endParaRPr lang="en-US"/>
           </a:p>
@@ -1852,7 +1852,7 @@
           <a:p>
             <a:fld id="{72345051-2045-45DA-935E-2E3CA1A69ADC}" type="datetimeFigureOut">
               <a:rPr lang="en-US" smtClean="0"/>
-              <a:t>9/1/2020</a:t>
+              <a:t>9/13/2020</a:t>
             </a:fld>
             <a:endParaRPr lang="en-US"/>
           </a:p>
@@ -2074,7 +2074,7 @@
           <a:p>
             <a:fld id="{72345051-2045-45DA-935E-2E3CA1A69ADC}" type="datetimeFigureOut">
               <a:rPr lang="en-US" smtClean="0"/>
-              <a:t>9/1/2020</a:t>
+              <a:t>9/13/2020</a:t>
             </a:fld>
             <a:endParaRPr lang="en-US"/>
           </a:p>
@@ -2985,7 +2985,7 @@
           <a:p>
             <a:fld id="{72345051-2045-45DA-935E-2E3CA1A69ADC}" type="datetimeFigureOut">
               <a:rPr lang="en-US" smtClean="0"/>
-              <a:t>9/1/2020</a:t>
+              <a:t>9/13/2020</a:t>
             </a:fld>
             <a:endParaRPr lang="en-US"/>
           </a:p>
@@ -3588,7 +3588,7 @@
           <a:p>
             <a:fld id="{72345051-2045-45DA-935E-2E3CA1A69ADC}" type="datetimeFigureOut">
               <a:rPr lang="en-US" smtClean="0"/>
-              <a:t>9/1/2020</a:t>
+              <a:t>9/13/2020</a:t>
             </a:fld>
             <a:endParaRPr lang="en-US"/>
           </a:p>
@@ -4636,7 +4636,7 @@
           <a:p>
             <a:fld id="{72345051-2045-45DA-935E-2E3CA1A69ADC}" type="datetimeFigureOut">
               <a:rPr lang="en-US" smtClean="0"/>
-              <a:t>9/1/2020</a:t>
+              <a:t>9/13/2020</a:t>
             </a:fld>
             <a:endParaRPr lang="en-US"/>
           </a:p>
@@ -5420,7 +5420,7 @@
           <a:p>
             <a:fld id="{72345051-2045-45DA-935E-2E3CA1A69ADC}" type="datetimeFigureOut">
               <a:rPr lang="en-US" smtClean="0"/>
-              <a:t>9/1/2020</a:t>
+              <a:t>9/13/2020</a:t>
             </a:fld>
             <a:endParaRPr lang="en-US"/>
           </a:p>
@@ -5869,7 +5869,7 @@
           <a:p>
             <a:fld id="{72345051-2045-45DA-935E-2E3CA1A69ADC}" type="datetimeFigureOut">
               <a:rPr lang="en-US" smtClean="0"/>
-              <a:t>9/1/2020</a:t>
+              <a:t>9/13/2020</a:t>
             </a:fld>
             <a:endParaRPr lang="en-US"/>
           </a:p>
@@ -6186,7 +6186,7 @@
           <a:p>
             <a:fld id="{72345051-2045-45DA-935E-2E3CA1A69ADC}" type="datetimeFigureOut">
               <a:rPr lang="en-US" smtClean="0"/>
-              <a:t>9/1/2020</a:t>
+              <a:t>9/13/2020</a:t>
             </a:fld>
             <a:endParaRPr lang="en-US"/>
           </a:p>
@@ -6814,7 +6814,7 @@
           <a:p>
             <a:fld id="{72345051-2045-45DA-935E-2E3CA1A69ADC}" type="datetimeFigureOut">
               <a:rPr lang="en-US" smtClean="0"/>
-              <a:t>9/1/2020</a:t>
+              <a:t>9/13/2020</a:t>
             </a:fld>
             <a:endParaRPr lang="en-US"/>
           </a:p>
@@ -7387,7 +7387,7 @@
           <a:p>
             <a:fld id="{72345051-2045-45DA-935E-2E3CA1A69ADC}" type="datetimeFigureOut">
               <a:rPr lang="en-US" smtClean="0"/>
-              <a:t>9/1/2020</a:t>
+              <a:t>9/13/2020</a:t>
             </a:fld>
             <a:endParaRPr lang="en-US" dirty="0"/>
           </a:p>
@@ -13307,7 +13307,7 @@
         </p:nvSpPr>
         <p:spPr>
           <a:xfrm>
-            <a:off x="5612265" y="1740763"/>
+            <a:off x="9033126" y="2802288"/>
             <a:ext cx="1136342" cy="1207363"/>
           </a:xfrm>
           <a:prstGeom prst="ellipse">
@@ -13337,12 +13337,137 @@
             <a:pPr algn="ctr"/>
             <a:r>
               <a:rPr lang="en-US" dirty="0"/>
-              <a:t>up</a:t>
+              <a:t>died</a:t>
             </a:r>
             <a:endParaRPr lang="LID4096" dirty="0"/>
           </a:p>
         </p:txBody>
       </p:sp>
+      <p:cxnSp>
+        <p:nvCxnSpPr>
+          <p:cNvPr id="5" name="Straight Arrow Connector 4">
+            <a:extLst>
+              <a:ext uri="{FF2B5EF4-FFF2-40B4-BE49-F238E27FC236}">
+                <a16:creationId xmlns:a16="http://schemas.microsoft.com/office/drawing/2014/main" id="{56D2823B-AACF-41D4-A016-886343AD06B9}"/>
+              </a:ext>
+            </a:extLst>
+          </p:cNvPr>
+          <p:cNvCxnSpPr>
+            <a:stCxn id="4" idx="6"/>
+            <a:endCxn id="42" idx="1"/>
+          </p:cNvCxnSpPr>
+          <p:nvPr/>
+        </p:nvCxnSpPr>
+        <p:spPr>
+          <a:xfrm>
+            <a:off x="4919709" y="1313896"/>
+            <a:ext cx="4279830" cy="1665206"/>
+          </a:xfrm>
+          <a:prstGeom prst="straightConnector1">
+            <a:avLst/>
+          </a:prstGeom>
+          <a:ln>
+            <a:tailEnd type="triangle"/>
+          </a:ln>
+        </p:spPr>
+        <p:style>
+          <a:lnRef idx="1">
+            <a:schemeClr val="accent1"/>
+          </a:lnRef>
+          <a:fillRef idx="0">
+            <a:schemeClr val="accent1"/>
+          </a:fillRef>
+          <a:effectRef idx="0">
+            <a:schemeClr val="accent1"/>
+          </a:effectRef>
+          <a:fontRef idx="minor">
+            <a:schemeClr val="tx1"/>
+          </a:fontRef>
+        </p:style>
+      </p:cxnSp>
+      <p:sp>
+        <p:nvSpPr>
+          <p:cNvPr id="8" name="TextBox 7">
+            <a:extLst>
+              <a:ext uri="{FF2B5EF4-FFF2-40B4-BE49-F238E27FC236}">
+                <a16:creationId xmlns:a16="http://schemas.microsoft.com/office/drawing/2014/main" id="{0AD1D10F-ADFA-4350-A30A-22CAD414DA37}"/>
+              </a:ext>
+            </a:extLst>
+          </p:cNvPr>
+          <p:cNvSpPr txBox="1"/>
+          <p:nvPr/>
+        </p:nvSpPr>
+        <p:spPr>
+          <a:xfrm>
+            <a:off x="6249325" y="2527821"/>
+            <a:ext cx="2886688" cy="646331"/>
+          </a:xfrm>
+          <a:prstGeom prst="rect">
+            <a:avLst/>
+          </a:prstGeom>
+          <a:noFill/>
+        </p:spPr>
+        <p:txBody>
+          <a:bodyPr wrap="none" rtlCol="0">
+            <a:spAutoFit/>
+          </a:bodyPr>
+          <a:lstStyle/>
+          <a:p>
+            <a:r>
+              <a:rPr lang="en-US" dirty="0"/>
+              <a:t>Collision with spikes</a:t>
+            </a:r>
+          </a:p>
+          <a:p>
+            <a:r>
+              <a:rPr lang="en-US" dirty="0"/>
+              <a:t>Collision with bottom border</a:t>
+            </a:r>
+            <a:endParaRPr lang="LID4096" dirty="0"/>
+          </a:p>
+        </p:txBody>
+      </p:sp>
+      <p:cxnSp>
+        <p:nvCxnSpPr>
+          <p:cNvPr id="12" name="Straight Arrow Connector 11">
+            <a:extLst>
+              <a:ext uri="{FF2B5EF4-FFF2-40B4-BE49-F238E27FC236}">
+                <a16:creationId xmlns:a16="http://schemas.microsoft.com/office/drawing/2014/main" id="{B73E8CBC-6FA6-4491-A0A2-91AEE3ADE27B}"/>
+              </a:ext>
+            </a:extLst>
+          </p:cNvPr>
+          <p:cNvCxnSpPr>
+            <a:cxnSpLocks/>
+          </p:cNvCxnSpPr>
+          <p:nvPr/>
+        </p:nvCxnSpPr>
+        <p:spPr>
+          <a:xfrm flipV="1">
+            <a:off x="3730959" y="3386351"/>
+            <a:ext cx="5271630" cy="297498"/>
+          </a:xfrm>
+          <a:prstGeom prst="straightConnector1">
+            <a:avLst/>
+          </a:prstGeom>
+          <a:ln>
+            <a:tailEnd type="triangle"/>
+          </a:ln>
+        </p:spPr>
+        <p:style>
+          <a:lnRef idx="1">
+            <a:schemeClr val="accent1"/>
+          </a:lnRef>
+          <a:fillRef idx="0">
+            <a:schemeClr val="accent1"/>
+          </a:fillRef>
+          <a:effectRef idx="0">
+            <a:schemeClr val="accent1"/>
+          </a:effectRef>
+          <a:fontRef idx="minor">
+            <a:schemeClr val="tx1"/>
+          </a:fontRef>
+        </p:style>
+      </p:cxnSp>
     </p:spTree>
     <p:extLst>
       <p:ext uri="{BB962C8B-B14F-4D97-AF65-F5344CB8AC3E}">
@@ -14170,12 +14295,9 @@
 </file>
 
 <file path=customXml/item1.xml><?xml version="1.0" encoding="utf-8"?>
-<?mso-contentType ?>
-<FormTemplates xmlns="http://schemas.microsoft.com/sharepoint/v3/contenttype/forms">
-  <Display>DocumentLibraryForm</Display>
-  <Edit>DocumentLibraryForm</Edit>
-  <New>DocumentLibraryForm</New>
-</FormTemplates>
+<p:properties xmlns:p="http://schemas.microsoft.com/office/2006/metadata/properties" xmlns:xsi="http://www.w3.org/2001/XMLSchema-instance" xmlns:pc="http://schemas.microsoft.com/office/infopath/2007/PartnerControls">
+  <documentManagement/>
+</p:properties>
 </file>
 
 <file path=customXml/item2.xml><?xml version="1.0" encoding="utf-8"?>
@@ -14311,15 +14433,26 @@
 </file>
 
 <file path=customXml/item3.xml><?xml version="1.0" encoding="utf-8"?>
-<p:properties xmlns:p="http://schemas.microsoft.com/office/2006/metadata/properties" xmlns:xsi="http://www.w3.org/2001/XMLSchema-instance" xmlns:pc="http://schemas.microsoft.com/office/infopath/2007/PartnerControls">
-  <documentManagement/>
-</p:properties>
+<?mso-contentType ?>
+<FormTemplates xmlns="http://schemas.microsoft.com/sharepoint/v3/contenttype/forms">
+  <Display>DocumentLibraryForm</Display>
+  <Edit>DocumentLibraryForm</Edit>
+  <New>DocumentLibraryForm</New>
+</FormTemplates>
 </file>
 
 <file path=customXml/itemProps1.xml><?xml version="1.0" encoding="utf-8"?>
-<ds:datastoreItem xmlns:ds="http://schemas.openxmlformats.org/officeDocument/2006/customXml" ds:itemID="{0415F3F4-12E4-4841-9E19-D62AC644724D}">
+<ds:datastoreItem xmlns:ds="http://schemas.openxmlformats.org/officeDocument/2006/customXml" ds:itemID="{A501A011-D727-4E49-8108-9474F5A90EA9}">
   <ds:schemaRefs>
-    <ds:schemaRef ds:uri="http://schemas.microsoft.com/sharepoint/v3/contenttype/forms"/>
+    <ds:schemaRef ds:uri="http://purl.org/dc/elements/1.1/"/>
+    <ds:schemaRef ds:uri="http://schemas.microsoft.com/office/2006/metadata/properties"/>
+    <ds:schemaRef ds:uri="cbbd1458-d63e-4a1d-8ac0-715ba4af8b8a"/>
+    <ds:schemaRef ds:uri="http://purl.org/dc/terms/"/>
+    <ds:schemaRef ds:uri="http://schemas.openxmlformats.org/package/2006/metadata/core-properties"/>
+    <ds:schemaRef ds:uri="http://schemas.microsoft.com/office/2006/documentManagement/types"/>
+    <ds:schemaRef ds:uri="http://schemas.microsoft.com/office/infopath/2007/PartnerControls"/>
+    <ds:schemaRef ds:uri="http://www.w3.org/XML/1998/namespace"/>
+    <ds:schemaRef ds:uri="http://purl.org/dc/dcmitype/"/>
   </ds:schemaRefs>
 </ds:datastoreItem>
 </file>
@@ -14343,17 +14476,9 @@
 </file>
 
 <file path=customXml/itemProps3.xml><?xml version="1.0" encoding="utf-8"?>
-<ds:datastoreItem xmlns:ds="http://schemas.openxmlformats.org/officeDocument/2006/customXml" ds:itemID="{A501A011-D727-4E49-8108-9474F5A90EA9}">
+<ds:datastoreItem xmlns:ds="http://schemas.openxmlformats.org/officeDocument/2006/customXml" ds:itemID="{0415F3F4-12E4-4841-9E19-D62AC644724D}">
   <ds:schemaRefs>
-    <ds:schemaRef ds:uri="http://purl.org/dc/elements/1.1/"/>
-    <ds:schemaRef ds:uri="http://schemas.microsoft.com/office/2006/metadata/properties"/>
-    <ds:schemaRef ds:uri="cbbd1458-d63e-4a1d-8ac0-715ba4af8b8a"/>
-    <ds:schemaRef ds:uri="http://purl.org/dc/terms/"/>
-    <ds:schemaRef ds:uri="http://schemas.openxmlformats.org/package/2006/metadata/core-properties"/>
-    <ds:schemaRef ds:uri="http://schemas.microsoft.com/office/2006/documentManagement/types"/>
-    <ds:schemaRef ds:uri="http://schemas.microsoft.com/office/infopath/2007/PartnerControls"/>
-    <ds:schemaRef ds:uri="http://www.w3.org/XML/1998/namespace"/>
-    <ds:schemaRef ds:uri="http://purl.org/dc/dcmitype/"/>
+    <ds:schemaRef ds:uri="http://schemas.microsoft.com/sharepoint/v3/contenttype/forms"/>
   </ds:schemaRefs>
 </ds:datastoreItem>
 </file>